--- a/our-symbol-is-null/assets/images/our-symbol-is-null.pptx
+++ b/our-symbol-is-null/assets/images/our-symbol-is-null.pptx
@@ -5,7 +5,7 @@
     <p:sldMasterId id="2147483648" r:id="rId1"/>
   </p:sldMasterIdLst>
   <p:notesMasterIdLst>
-    <p:notesMasterId r:id="rId18"/>
+    <p:notesMasterId r:id="rId19"/>
   </p:notesMasterIdLst>
   <p:sldIdLst>
     <p:sldId id="259" r:id="rId2"/>
@@ -15,15 +15,16 @@
     <p:sldId id="270" r:id="rId6"/>
     <p:sldId id="273" r:id="rId7"/>
     <p:sldId id="274" r:id="rId8"/>
-    <p:sldId id="262" r:id="rId9"/>
-    <p:sldId id="260" r:id="rId10"/>
-    <p:sldId id="263" r:id="rId11"/>
-    <p:sldId id="268" r:id="rId12"/>
-    <p:sldId id="269" r:id="rId13"/>
-    <p:sldId id="264" r:id="rId14"/>
-    <p:sldId id="267" r:id="rId15"/>
-    <p:sldId id="265" r:id="rId16"/>
-    <p:sldId id="266" r:id="rId17"/>
+    <p:sldId id="275" r:id="rId9"/>
+    <p:sldId id="262" r:id="rId10"/>
+    <p:sldId id="260" r:id="rId11"/>
+    <p:sldId id="263" r:id="rId12"/>
+    <p:sldId id="268" r:id="rId13"/>
+    <p:sldId id="269" r:id="rId14"/>
+    <p:sldId id="264" r:id="rId15"/>
+    <p:sldId id="267" r:id="rId16"/>
+    <p:sldId id="265" r:id="rId17"/>
+    <p:sldId id="266" r:id="rId18"/>
   </p:sldIdLst>
   <p:sldSz cx="12192000" cy="6858000"/>
   <p:notesSz cx="6858000" cy="9144000"/>
@@ -133,7 +134,7 @@
 <file path=ppt/revisionInfo.xml><?xml version="1.0" encoding="utf-8"?>
 <p1510:revInfo xmlns:a="http://schemas.openxmlformats.org/drawingml/2006/main" xmlns:r="http://schemas.openxmlformats.org/officeDocument/2006/relationships" xmlns:p1510="http://schemas.microsoft.com/office/powerpoint/2015/10/main">
   <p1510:revLst>
-    <p1510:client id="{CDE3C6FB-3C5E-4E0D-82FD-809EBB383F02}" v="105" dt="2026-02-14T11:33:49.444"/>
+    <p1510:client id="{CDE3C6FB-3C5E-4E0D-82FD-809EBB383F02}" v="106" dt="2026-02-15T06:26:50.149"/>
   </p1510:revLst>
 </p1510:revInfo>
 </file>
@@ -143,7 +144,7 @@
   <pc:docChgLst>
     <pc:chgData name="Good Relax" userId="6e4d3e54824fd230" providerId="LiveId" clId="{71BB8839-F055-4A3A-B224-534DC05D89B6}"/>
     <pc:docChg chg="undo redo custSel addSld delSld modSld sldOrd">
-      <pc:chgData name="Good Relax" userId="6e4d3e54824fd230" providerId="LiveId" clId="{71BB8839-F055-4A3A-B224-534DC05D89B6}" dt="2026-02-14T11:37:01.704" v="744" actId="12788"/>
+      <pc:chgData name="Good Relax" userId="6e4d3e54824fd230" providerId="LiveId" clId="{71BB8839-F055-4A3A-B224-534DC05D89B6}" dt="2026-02-15T06:26:53.989" v="747" actId="1076"/>
       <pc:docMkLst>
         <pc:docMk/>
       </pc:docMkLst>
@@ -2799,6 +2800,93 @@
           </ac:cxnSpMkLst>
         </pc:cxnChg>
       </pc:sldChg>
+      <pc:sldChg chg="addSp modSp new mod">
+        <pc:chgData name="Good Relax" userId="6e4d3e54824fd230" providerId="LiveId" clId="{71BB8839-F055-4A3A-B224-534DC05D89B6}" dt="2026-02-15T06:26:53.989" v="747" actId="1076"/>
+        <pc:sldMkLst>
+          <pc:docMk/>
+          <pc:sldMk cId="163518636" sldId="275"/>
+        </pc:sldMkLst>
+        <pc:spChg chg="add mod">
+          <ac:chgData name="Good Relax" userId="6e4d3e54824fd230" providerId="LiveId" clId="{71BB8839-F055-4A3A-B224-534DC05D89B6}" dt="2026-02-15T06:26:53.989" v="747" actId="1076"/>
+          <ac:spMkLst>
+            <pc:docMk/>
+            <pc:sldMk cId="163518636" sldId="275"/>
+            <ac:spMk id="2" creationId="{3A339BA2-E6B7-AB67-93A4-4D5B9B669877}"/>
+          </ac:spMkLst>
+        </pc:spChg>
+        <pc:spChg chg="add mod">
+          <ac:chgData name="Good Relax" userId="6e4d3e54824fd230" providerId="LiveId" clId="{71BB8839-F055-4A3A-B224-534DC05D89B6}" dt="2026-02-15T06:26:53.989" v="747" actId="1076"/>
+          <ac:spMkLst>
+            <pc:docMk/>
+            <pc:sldMk cId="163518636" sldId="275"/>
+            <ac:spMk id="3" creationId="{B8848B1C-1552-8E93-ABD3-A0E84ED29448}"/>
+          </ac:spMkLst>
+        </pc:spChg>
+        <pc:spChg chg="add mod">
+          <ac:chgData name="Good Relax" userId="6e4d3e54824fd230" providerId="LiveId" clId="{71BB8839-F055-4A3A-B224-534DC05D89B6}" dt="2026-02-15T06:26:53.989" v="747" actId="1076"/>
+          <ac:spMkLst>
+            <pc:docMk/>
+            <pc:sldMk cId="163518636" sldId="275"/>
+            <ac:spMk id="4" creationId="{4C07CC19-52DE-73C4-4E9B-08B43B5711A5}"/>
+          </ac:spMkLst>
+        </pc:spChg>
+        <pc:spChg chg="add mod">
+          <ac:chgData name="Good Relax" userId="6e4d3e54824fd230" providerId="LiveId" clId="{71BB8839-F055-4A3A-B224-534DC05D89B6}" dt="2026-02-15T06:26:53.989" v="747" actId="1076"/>
+          <ac:spMkLst>
+            <pc:docMk/>
+            <pc:sldMk cId="163518636" sldId="275"/>
+            <ac:spMk id="5" creationId="{240DB55E-ADA2-1230-2232-536D39B681DB}"/>
+          </ac:spMkLst>
+        </pc:spChg>
+        <pc:spChg chg="add mod">
+          <ac:chgData name="Good Relax" userId="6e4d3e54824fd230" providerId="LiveId" clId="{71BB8839-F055-4A3A-B224-534DC05D89B6}" dt="2026-02-15T06:26:53.989" v="747" actId="1076"/>
+          <ac:spMkLst>
+            <pc:docMk/>
+            <pc:sldMk cId="163518636" sldId="275"/>
+            <ac:spMk id="6" creationId="{4E4837DD-A98C-43C1-839F-2E489037EFA1}"/>
+          </ac:spMkLst>
+        </pc:spChg>
+        <pc:spChg chg="add mod">
+          <ac:chgData name="Good Relax" userId="6e4d3e54824fd230" providerId="LiveId" clId="{71BB8839-F055-4A3A-B224-534DC05D89B6}" dt="2026-02-15T06:26:53.989" v="747" actId="1076"/>
+          <ac:spMkLst>
+            <pc:docMk/>
+            <pc:sldMk cId="163518636" sldId="275"/>
+            <ac:spMk id="7" creationId="{63A6C4FC-8E2F-34D6-C195-878A625A623A}"/>
+          </ac:spMkLst>
+        </pc:spChg>
+        <pc:spChg chg="add mod">
+          <ac:chgData name="Good Relax" userId="6e4d3e54824fd230" providerId="LiveId" clId="{71BB8839-F055-4A3A-B224-534DC05D89B6}" dt="2026-02-15T06:26:53.989" v="747" actId="1076"/>
+          <ac:spMkLst>
+            <pc:docMk/>
+            <pc:sldMk cId="163518636" sldId="275"/>
+            <ac:spMk id="9" creationId="{919C7FA6-1B29-AABD-6578-F69CA647F429}"/>
+          </ac:spMkLst>
+        </pc:spChg>
+        <pc:spChg chg="add mod">
+          <ac:chgData name="Good Relax" userId="6e4d3e54824fd230" providerId="LiveId" clId="{71BB8839-F055-4A3A-B224-534DC05D89B6}" dt="2026-02-15T06:26:53.989" v="747" actId="1076"/>
+          <ac:spMkLst>
+            <pc:docMk/>
+            <pc:sldMk cId="163518636" sldId="275"/>
+            <ac:spMk id="10" creationId="{6EF8A054-862B-27E8-DD01-4E082F27DC0F}"/>
+          </ac:spMkLst>
+        </pc:spChg>
+        <pc:spChg chg="add mod">
+          <ac:chgData name="Good Relax" userId="6e4d3e54824fd230" providerId="LiveId" clId="{71BB8839-F055-4A3A-B224-534DC05D89B6}" dt="2026-02-15T06:26:53.989" v="747" actId="1076"/>
+          <ac:spMkLst>
+            <pc:docMk/>
+            <pc:sldMk cId="163518636" sldId="275"/>
+            <ac:spMk id="15" creationId="{83F5BE70-818F-42CF-5B5F-386CFF8922BB}"/>
+          </ac:spMkLst>
+        </pc:spChg>
+        <pc:spChg chg="add mod">
+          <ac:chgData name="Good Relax" userId="6e4d3e54824fd230" providerId="LiveId" clId="{71BB8839-F055-4A3A-B224-534DC05D89B6}" dt="2026-02-15T06:26:53.989" v="747" actId="1076"/>
+          <ac:spMkLst>
+            <pc:docMk/>
+            <pc:sldMk cId="163518636" sldId="275"/>
+            <ac:spMk id="22" creationId="{0F28A6AF-2061-EA46-C1F6-0DC071B34BE4}"/>
+          </ac:spMkLst>
+        </pc:spChg>
+      </pc:sldChg>
     </pc:docChg>
   </pc:docChgLst>
 </pc:chgInfo>
@@ -2886,7 +2974,7 @@
           <a:p>
             <a:fld id="{DB419DD8-9CE2-4481-AEC2-1B27A517C298}" type="datetimeFigureOut">
               <a:rPr kumimoji="1" lang="ja-JP" altLang="en-US" smtClean="0"/>
-              <a:t>2026/2/14</a:t>
+              <a:t>2026/2/15</a:t>
             </a:fld>
             <a:endParaRPr kumimoji="1" lang="ja-JP" altLang="en-US"/>
           </a:p>
@@ -3303,7 +3391,7 @@
           <a:p>
             <a:fld id="{37660D3B-C0D8-4755-AACD-CF8CB793D94C}" type="datetimeFigureOut">
               <a:rPr kumimoji="1" lang="ja-JP" altLang="en-US" smtClean="0"/>
-              <a:t>2026/2/14</a:t>
+              <a:t>2026/2/15</a:t>
             </a:fld>
             <a:endParaRPr kumimoji="1" lang="ja-JP" altLang="en-US"/>
           </a:p>
@@ -3503,7 +3591,7 @@
           <a:p>
             <a:fld id="{37660D3B-C0D8-4755-AACD-CF8CB793D94C}" type="datetimeFigureOut">
               <a:rPr kumimoji="1" lang="ja-JP" altLang="en-US" smtClean="0"/>
-              <a:t>2026/2/14</a:t>
+              <a:t>2026/2/15</a:t>
             </a:fld>
             <a:endParaRPr kumimoji="1" lang="ja-JP" altLang="en-US"/>
           </a:p>
@@ -3713,7 +3801,7 @@
           <a:p>
             <a:fld id="{37660D3B-C0D8-4755-AACD-CF8CB793D94C}" type="datetimeFigureOut">
               <a:rPr kumimoji="1" lang="ja-JP" altLang="en-US" smtClean="0"/>
-              <a:t>2026/2/14</a:t>
+              <a:t>2026/2/15</a:t>
             </a:fld>
             <a:endParaRPr kumimoji="1" lang="ja-JP" altLang="en-US"/>
           </a:p>
@@ -3913,7 +4001,7 @@
           <a:p>
             <a:fld id="{37660D3B-C0D8-4755-AACD-CF8CB793D94C}" type="datetimeFigureOut">
               <a:rPr kumimoji="1" lang="ja-JP" altLang="en-US" smtClean="0"/>
-              <a:t>2026/2/14</a:t>
+              <a:t>2026/2/15</a:t>
             </a:fld>
             <a:endParaRPr kumimoji="1" lang="ja-JP" altLang="en-US"/>
           </a:p>
@@ -4189,7 +4277,7 @@
           <a:p>
             <a:fld id="{37660D3B-C0D8-4755-AACD-CF8CB793D94C}" type="datetimeFigureOut">
               <a:rPr kumimoji="1" lang="ja-JP" altLang="en-US" smtClean="0"/>
-              <a:t>2026/2/14</a:t>
+              <a:t>2026/2/15</a:t>
             </a:fld>
             <a:endParaRPr kumimoji="1" lang="ja-JP" altLang="en-US"/>
           </a:p>
@@ -4457,7 +4545,7 @@
           <a:p>
             <a:fld id="{37660D3B-C0D8-4755-AACD-CF8CB793D94C}" type="datetimeFigureOut">
               <a:rPr kumimoji="1" lang="ja-JP" altLang="en-US" smtClean="0"/>
-              <a:t>2026/2/14</a:t>
+              <a:t>2026/2/15</a:t>
             </a:fld>
             <a:endParaRPr kumimoji="1" lang="ja-JP" altLang="en-US"/>
           </a:p>
@@ -4872,7 +4960,7 @@
           <a:p>
             <a:fld id="{37660D3B-C0D8-4755-AACD-CF8CB793D94C}" type="datetimeFigureOut">
               <a:rPr kumimoji="1" lang="ja-JP" altLang="en-US" smtClean="0"/>
-              <a:t>2026/2/14</a:t>
+              <a:t>2026/2/15</a:t>
             </a:fld>
             <a:endParaRPr kumimoji="1" lang="ja-JP" altLang="en-US"/>
           </a:p>
@@ -5014,7 +5102,7 @@
           <a:p>
             <a:fld id="{37660D3B-C0D8-4755-AACD-CF8CB793D94C}" type="datetimeFigureOut">
               <a:rPr kumimoji="1" lang="ja-JP" altLang="en-US" smtClean="0"/>
-              <a:t>2026/2/14</a:t>
+              <a:t>2026/2/15</a:t>
             </a:fld>
             <a:endParaRPr kumimoji="1" lang="ja-JP" altLang="en-US"/>
           </a:p>
@@ -5127,7 +5215,7 @@
           <a:p>
             <a:fld id="{37660D3B-C0D8-4755-AACD-CF8CB793D94C}" type="datetimeFigureOut">
               <a:rPr kumimoji="1" lang="ja-JP" altLang="en-US" smtClean="0"/>
-              <a:t>2026/2/14</a:t>
+              <a:t>2026/2/15</a:t>
             </a:fld>
             <a:endParaRPr kumimoji="1" lang="ja-JP" altLang="en-US"/>
           </a:p>
@@ -5440,7 +5528,7 @@
           <a:p>
             <a:fld id="{37660D3B-C0D8-4755-AACD-CF8CB793D94C}" type="datetimeFigureOut">
               <a:rPr kumimoji="1" lang="ja-JP" altLang="en-US" smtClean="0"/>
-              <a:t>2026/2/14</a:t>
+              <a:t>2026/2/15</a:t>
             </a:fld>
             <a:endParaRPr kumimoji="1" lang="ja-JP" altLang="en-US"/>
           </a:p>
@@ -5729,7 +5817,7 @@
           <a:p>
             <a:fld id="{37660D3B-C0D8-4755-AACD-CF8CB793D94C}" type="datetimeFigureOut">
               <a:rPr kumimoji="1" lang="ja-JP" altLang="en-US" smtClean="0"/>
-              <a:t>2026/2/14</a:t>
+              <a:t>2026/2/15</a:t>
             </a:fld>
             <a:endParaRPr kumimoji="1" lang="ja-JP" altLang="en-US"/>
           </a:p>
@@ -5972,7 +6060,7 @@
           <a:p>
             <a:fld id="{37660D3B-C0D8-4755-AACD-CF8CB793D94C}" type="datetimeFigureOut">
               <a:rPr kumimoji="1" lang="ja-JP" altLang="en-US" smtClean="0"/>
-              <a:t>2026/2/14</a:t>
+              <a:t>2026/2/15</a:t>
             </a:fld>
             <a:endParaRPr kumimoji="1" lang="ja-JP" altLang="en-US"/>
           </a:p>
@@ -6773,6 +6861,1258 @@
         <p:cNvPr id="1" name="">
           <a:extLst>
             <a:ext uri="{FF2B5EF4-FFF2-40B4-BE49-F238E27FC236}">
+              <a16:creationId xmlns:a16="http://schemas.microsoft.com/office/drawing/2014/main" id="{94EC043A-D737-5003-9A2F-D8CDCBA2FD55}"/>
+            </a:ext>
+          </a:extLst>
+        </p:cNvPr>
+        <p:cNvGrpSpPr/>
+        <p:nvPr/>
+      </p:nvGrpSpPr>
+      <p:grpSpPr>
+        <a:xfrm>
+          <a:off x="0" y="0"/>
+          <a:ext cx="0" cy="0"/>
+          <a:chOff x="0" y="0"/>
+          <a:chExt cx="0" cy="0"/>
+        </a:xfrm>
+      </p:grpSpPr>
+      <p:cxnSp>
+        <p:nvCxnSpPr>
+          <p:cNvPr id="68" name="Straight Arrow Connector 67">
+            <a:extLst>
+              <a:ext uri="{FF2B5EF4-FFF2-40B4-BE49-F238E27FC236}">
+                <a16:creationId xmlns:a16="http://schemas.microsoft.com/office/drawing/2014/main" id="{EE82A463-88D9-B065-4F23-4041711A24BC}"/>
+              </a:ext>
+            </a:extLst>
+          </p:cNvPr>
+          <p:cNvCxnSpPr>
+            <a:cxnSpLocks/>
+          </p:cNvCxnSpPr>
+          <p:nvPr/>
+        </p:nvCxnSpPr>
+        <p:spPr>
+          <a:xfrm>
+            <a:off x="5027896" y="3647592"/>
+            <a:ext cx="2558305" cy="0"/>
+          </a:xfrm>
+          <a:prstGeom prst="straightConnector1">
+            <a:avLst/>
+          </a:prstGeom>
+          <a:ln>
+            <a:solidFill>
+              <a:srgbClr val="000000"/>
+            </a:solidFill>
+            <a:tailEnd type="triangle"/>
+          </a:ln>
+        </p:spPr>
+        <p:style>
+          <a:lnRef idx="2">
+            <a:schemeClr val="accent1"/>
+          </a:lnRef>
+          <a:fillRef idx="0">
+            <a:schemeClr val="accent1"/>
+          </a:fillRef>
+          <a:effectRef idx="1">
+            <a:schemeClr val="accent1"/>
+          </a:effectRef>
+          <a:fontRef idx="minor">
+            <a:schemeClr val="tx1"/>
+          </a:fontRef>
+        </p:style>
+      </p:cxnSp>
+      <p:cxnSp>
+        <p:nvCxnSpPr>
+          <p:cNvPr id="69" name="Straight Arrow Connector 68">
+            <a:extLst>
+              <a:ext uri="{FF2B5EF4-FFF2-40B4-BE49-F238E27FC236}">
+                <a16:creationId xmlns:a16="http://schemas.microsoft.com/office/drawing/2014/main" id="{088D5EDF-67DE-4568-497F-A475CDD4A89F}"/>
+              </a:ext>
+            </a:extLst>
+          </p:cNvPr>
+          <p:cNvCxnSpPr>
+            <a:cxnSpLocks/>
+          </p:cNvCxnSpPr>
+          <p:nvPr/>
+        </p:nvCxnSpPr>
+        <p:spPr>
+          <a:xfrm rot="16200000">
+            <a:off x="4273843" y="2861377"/>
+            <a:ext cx="2558305" cy="0"/>
+          </a:xfrm>
+          <a:prstGeom prst="straightConnector1">
+            <a:avLst/>
+          </a:prstGeom>
+          <a:ln>
+            <a:solidFill>
+              <a:srgbClr val="000000"/>
+            </a:solidFill>
+            <a:tailEnd type="triangle"/>
+          </a:ln>
+        </p:spPr>
+        <p:style>
+          <a:lnRef idx="2">
+            <a:schemeClr val="accent1"/>
+          </a:lnRef>
+          <a:fillRef idx="0">
+            <a:schemeClr val="accent1"/>
+          </a:fillRef>
+          <a:effectRef idx="1">
+            <a:schemeClr val="accent1"/>
+          </a:effectRef>
+          <a:fontRef idx="minor">
+            <a:schemeClr val="tx1"/>
+          </a:fontRef>
+        </p:style>
+      </p:cxnSp>
+      <p:sp>
+        <p:nvSpPr>
+          <p:cNvPr id="72" name="Oval 71">
+            <a:extLst>
+              <a:ext uri="{FF2B5EF4-FFF2-40B4-BE49-F238E27FC236}">
+                <a16:creationId xmlns:a16="http://schemas.microsoft.com/office/drawing/2014/main" id="{B07CCB99-D92A-853F-3234-F742EC667305}"/>
+              </a:ext>
+            </a:extLst>
+          </p:cNvPr>
+          <p:cNvSpPr/>
+          <p:nvPr/>
+        </p:nvSpPr>
+        <p:spPr>
+          <a:xfrm>
+            <a:off x="5552995" y="3622009"/>
+            <a:ext cx="25583" cy="25583"/>
+          </a:xfrm>
+          <a:prstGeom prst="ellipse">
+            <a:avLst/>
+          </a:prstGeom>
+          <a:solidFill>
+            <a:srgbClr val="000000"/>
+          </a:solidFill>
+          <a:ln>
+            <a:noFill/>
+          </a:ln>
+        </p:spPr>
+        <p:style>
+          <a:lnRef idx="2">
+            <a:schemeClr val="accent1">
+              <a:shade val="15000"/>
+            </a:schemeClr>
+          </a:lnRef>
+          <a:fillRef idx="1">
+            <a:schemeClr val="accent1"/>
+          </a:fillRef>
+          <a:effectRef idx="0">
+            <a:schemeClr val="accent1"/>
+          </a:effectRef>
+          <a:fontRef idx="minor">
+            <a:schemeClr val="lt1"/>
+          </a:fontRef>
+        </p:style>
+        <p:txBody>
+          <a:bodyPr rtlCol="0" anchor="ctr"/>
+          <a:lstStyle/>
+          <a:p>
+            <a:pPr algn="ctr"/>
+            <a:endParaRPr kumimoji="1" lang="ja-JP" altLang="en-US"/>
+          </a:p>
+        </p:txBody>
+      </p:sp>
+      <p:cxnSp>
+        <p:nvCxnSpPr>
+          <p:cNvPr id="73" name="Straight Connector 72">
+            <a:extLst>
+              <a:ext uri="{FF2B5EF4-FFF2-40B4-BE49-F238E27FC236}">
+                <a16:creationId xmlns:a16="http://schemas.microsoft.com/office/drawing/2014/main" id="{0A2A5862-DF3E-F3E6-1194-DCC54B150E02}"/>
+              </a:ext>
+            </a:extLst>
+          </p:cNvPr>
+          <p:cNvCxnSpPr>
+            <a:cxnSpLocks/>
+          </p:cNvCxnSpPr>
+          <p:nvPr/>
+        </p:nvCxnSpPr>
+        <p:spPr>
+          <a:xfrm flipV="1">
+            <a:off x="5309925" y="2456931"/>
+            <a:ext cx="1196320" cy="906019"/>
+          </a:xfrm>
+          <a:prstGeom prst="line">
+            <a:avLst/>
+          </a:prstGeom>
+          <a:ln w="6350">
+            <a:solidFill>
+              <a:srgbClr val="000000"/>
+            </a:solidFill>
+            <a:prstDash val="dash"/>
+          </a:ln>
+        </p:spPr>
+        <p:style>
+          <a:lnRef idx="2">
+            <a:schemeClr val="accent1"/>
+          </a:lnRef>
+          <a:fillRef idx="0">
+            <a:schemeClr val="accent1"/>
+          </a:fillRef>
+          <a:effectRef idx="1">
+            <a:schemeClr val="accent1"/>
+          </a:effectRef>
+          <a:fontRef idx="minor">
+            <a:schemeClr val="tx1"/>
+          </a:fontRef>
+        </p:style>
+      </p:cxnSp>
+      <p:cxnSp>
+        <p:nvCxnSpPr>
+          <p:cNvPr id="74" name="Straight Connector 73">
+            <a:extLst>
+              <a:ext uri="{FF2B5EF4-FFF2-40B4-BE49-F238E27FC236}">
+                <a16:creationId xmlns:a16="http://schemas.microsoft.com/office/drawing/2014/main" id="{C228BB29-34C3-B42A-2C3E-D7C4EEA285B0}"/>
+              </a:ext>
+            </a:extLst>
+          </p:cNvPr>
+          <p:cNvCxnSpPr>
+            <a:cxnSpLocks/>
+          </p:cNvCxnSpPr>
+          <p:nvPr/>
+        </p:nvCxnSpPr>
+        <p:spPr>
+          <a:xfrm>
+            <a:off x="5212757" y="3193382"/>
+            <a:ext cx="674998" cy="891274"/>
+          </a:xfrm>
+          <a:prstGeom prst="line">
+            <a:avLst/>
+          </a:prstGeom>
+          <a:ln w="6350">
+            <a:solidFill>
+              <a:srgbClr val="000000"/>
+            </a:solidFill>
+            <a:prstDash val="dash"/>
+          </a:ln>
+        </p:spPr>
+        <p:style>
+          <a:lnRef idx="2">
+            <a:schemeClr val="accent1"/>
+          </a:lnRef>
+          <a:fillRef idx="0">
+            <a:schemeClr val="accent1"/>
+          </a:fillRef>
+          <a:effectRef idx="1">
+            <a:schemeClr val="accent1"/>
+          </a:effectRef>
+          <a:fontRef idx="minor">
+            <a:schemeClr val="tx1"/>
+          </a:fontRef>
+        </p:style>
+      </p:cxnSp>
+      <p:cxnSp>
+        <p:nvCxnSpPr>
+          <p:cNvPr id="75" name="Straight Connector 74">
+            <a:extLst>
+              <a:ext uri="{FF2B5EF4-FFF2-40B4-BE49-F238E27FC236}">
+                <a16:creationId xmlns:a16="http://schemas.microsoft.com/office/drawing/2014/main" id="{02DFED42-EAAA-817A-0FAD-DC83DC1DB605}"/>
+              </a:ext>
+            </a:extLst>
+          </p:cNvPr>
+          <p:cNvCxnSpPr>
+            <a:cxnSpLocks/>
+          </p:cNvCxnSpPr>
+          <p:nvPr/>
+        </p:nvCxnSpPr>
+        <p:spPr>
+          <a:xfrm flipV="1">
+            <a:off x="5819446" y="2756446"/>
+            <a:ext cx="1624779" cy="1230507"/>
+          </a:xfrm>
+          <a:prstGeom prst="line">
+            <a:avLst/>
+          </a:prstGeom>
+          <a:ln w="6350">
+            <a:solidFill>
+              <a:srgbClr val="000000"/>
+            </a:solidFill>
+            <a:prstDash val="dash"/>
+          </a:ln>
+        </p:spPr>
+        <p:style>
+          <a:lnRef idx="2">
+            <a:schemeClr val="accent1"/>
+          </a:lnRef>
+          <a:fillRef idx="0">
+            <a:schemeClr val="accent1"/>
+          </a:fillRef>
+          <a:effectRef idx="1">
+            <a:schemeClr val="accent1"/>
+          </a:effectRef>
+          <a:fontRef idx="minor">
+            <a:schemeClr val="tx1"/>
+          </a:fontRef>
+        </p:style>
+      </p:cxnSp>
+      <p:sp>
+        <p:nvSpPr>
+          <p:cNvPr id="76" name="TextBox 75">
+            <a:extLst>
+              <a:ext uri="{FF2B5EF4-FFF2-40B4-BE49-F238E27FC236}">
+                <a16:creationId xmlns:a16="http://schemas.microsoft.com/office/drawing/2014/main" id="{75723CA5-E06D-20FF-5FCA-937C7055D990}"/>
+              </a:ext>
+            </a:extLst>
+          </p:cNvPr>
+          <p:cNvSpPr txBox="1"/>
+          <p:nvPr/>
+        </p:nvSpPr>
+        <p:spPr>
+          <a:xfrm>
+            <a:off x="5870024" y="3907633"/>
+            <a:ext cx="607859" cy="461665"/>
+          </a:xfrm>
+          <a:prstGeom prst="rect">
+            <a:avLst/>
+          </a:prstGeom>
+          <a:noFill/>
+        </p:spPr>
+        <p:txBody>
+          <a:bodyPr wrap="none" rtlCol="0">
+            <a:spAutoFit/>
+          </a:bodyPr>
+          <a:lstStyle>
+            <a:defPPr>
+              <a:defRPr lang="ja-JP"/>
+            </a:defPPr>
+            <a:lvl1pPr>
+              <a:defRPr sz="2400"/>
+            </a:lvl1pPr>
+          </a:lstStyle>
+          <a:p>
+            <a:r>
+              <a:rPr lang="ja-JP" altLang="en-US" dirty="0"/>
+              <a:t>🍎</a:t>
+            </a:r>
+          </a:p>
+        </p:txBody>
+      </p:sp>
+      <p:sp>
+        <p:nvSpPr>
+          <p:cNvPr id="77" name="TextBox 76">
+            <a:extLst>
+              <a:ext uri="{FF2B5EF4-FFF2-40B4-BE49-F238E27FC236}">
+                <a16:creationId xmlns:a16="http://schemas.microsoft.com/office/drawing/2014/main" id="{22123273-F21F-369C-1D5E-1C5611E5C806}"/>
+              </a:ext>
+            </a:extLst>
+          </p:cNvPr>
+          <p:cNvSpPr txBox="1"/>
+          <p:nvPr/>
+        </p:nvSpPr>
+        <p:spPr>
+          <a:xfrm>
+            <a:off x="4908827" y="2746684"/>
+            <a:ext cx="607859" cy="461665"/>
+          </a:xfrm>
+          <a:prstGeom prst="rect">
+            <a:avLst/>
+          </a:prstGeom>
+          <a:noFill/>
+        </p:spPr>
+        <p:txBody>
+          <a:bodyPr wrap="none" rtlCol="0">
+            <a:spAutoFit/>
+          </a:bodyPr>
+          <a:lstStyle>
+            <a:defPPr>
+              <a:defRPr lang="ja-JP"/>
+            </a:defPPr>
+            <a:lvl1pPr>
+              <a:defRPr sz="2400"/>
+            </a:lvl1pPr>
+          </a:lstStyle>
+          <a:p>
+            <a:r>
+              <a:rPr lang="ja-JP" altLang="en-US" dirty="0"/>
+              <a:t>🍊</a:t>
+            </a:r>
+          </a:p>
+        </p:txBody>
+      </p:sp>
+      <p:cxnSp>
+        <p:nvCxnSpPr>
+          <p:cNvPr id="7" name="Straight Arrow Connector 6">
+            <a:extLst>
+              <a:ext uri="{FF2B5EF4-FFF2-40B4-BE49-F238E27FC236}">
+                <a16:creationId xmlns:a16="http://schemas.microsoft.com/office/drawing/2014/main" id="{7B03489B-DBCD-1D00-15AC-52D9EC945B55}"/>
+              </a:ext>
+            </a:extLst>
+          </p:cNvPr>
+          <p:cNvCxnSpPr>
+            <a:cxnSpLocks/>
+          </p:cNvCxnSpPr>
+          <p:nvPr/>
+        </p:nvCxnSpPr>
+        <p:spPr>
+          <a:xfrm>
+            <a:off x="687702" y="3647592"/>
+            <a:ext cx="2558305" cy="0"/>
+          </a:xfrm>
+          <a:prstGeom prst="straightConnector1">
+            <a:avLst/>
+          </a:prstGeom>
+          <a:ln>
+            <a:solidFill>
+              <a:srgbClr val="000000"/>
+            </a:solidFill>
+            <a:tailEnd type="triangle"/>
+          </a:ln>
+        </p:spPr>
+        <p:style>
+          <a:lnRef idx="2">
+            <a:schemeClr val="accent1"/>
+          </a:lnRef>
+          <a:fillRef idx="0">
+            <a:schemeClr val="accent1"/>
+          </a:fillRef>
+          <a:effectRef idx="1">
+            <a:schemeClr val="accent1"/>
+          </a:effectRef>
+          <a:fontRef idx="minor">
+            <a:schemeClr val="tx1"/>
+          </a:fontRef>
+        </p:style>
+      </p:cxnSp>
+      <p:cxnSp>
+        <p:nvCxnSpPr>
+          <p:cNvPr id="11" name="Straight Arrow Connector 10">
+            <a:extLst>
+              <a:ext uri="{FF2B5EF4-FFF2-40B4-BE49-F238E27FC236}">
+                <a16:creationId xmlns:a16="http://schemas.microsoft.com/office/drawing/2014/main" id="{14A647CD-80F4-FDBF-742B-1D3A29332F74}"/>
+              </a:ext>
+            </a:extLst>
+          </p:cNvPr>
+          <p:cNvCxnSpPr>
+            <a:cxnSpLocks/>
+          </p:cNvCxnSpPr>
+          <p:nvPr/>
+        </p:nvCxnSpPr>
+        <p:spPr>
+          <a:xfrm rot="16200000">
+            <a:off x="-66351" y="2861377"/>
+            <a:ext cx="2558305" cy="0"/>
+          </a:xfrm>
+          <a:prstGeom prst="straightConnector1">
+            <a:avLst/>
+          </a:prstGeom>
+          <a:ln>
+            <a:solidFill>
+              <a:srgbClr val="000000"/>
+            </a:solidFill>
+            <a:tailEnd type="triangle"/>
+          </a:ln>
+        </p:spPr>
+        <p:style>
+          <a:lnRef idx="2">
+            <a:schemeClr val="accent1"/>
+          </a:lnRef>
+          <a:fillRef idx="0">
+            <a:schemeClr val="accent1"/>
+          </a:fillRef>
+          <a:effectRef idx="1">
+            <a:schemeClr val="accent1"/>
+          </a:effectRef>
+          <a:fontRef idx="minor">
+            <a:schemeClr val="tx1"/>
+          </a:fontRef>
+        </p:style>
+      </p:cxnSp>
+      <p:cxnSp>
+        <p:nvCxnSpPr>
+          <p:cNvPr id="13" name="Straight Arrow Connector 12">
+            <a:extLst>
+              <a:ext uri="{FF2B5EF4-FFF2-40B4-BE49-F238E27FC236}">
+                <a16:creationId xmlns:a16="http://schemas.microsoft.com/office/drawing/2014/main" id="{96590F8E-B417-2898-40D3-5675C355E935}"/>
+              </a:ext>
+            </a:extLst>
+          </p:cNvPr>
+          <p:cNvCxnSpPr>
+            <a:cxnSpLocks/>
+          </p:cNvCxnSpPr>
+          <p:nvPr/>
+        </p:nvCxnSpPr>
+        <p:spPr>
+          <a:xfrm flipV="1">
+            <a:off x="1212801" y="2739172"/>
+            <a:ext cx="1912399" cy="908420"/>
+          </a:xfrm>
+          <a:prstGeom prst="straightConnector1">
+            <a:avLst/>
+          </a:prstGeom>
+          <a:ln w="38100">
+            <a:solidFill>
+              <a:srgbClr val="EE0000"/>
+            </a:solidFill>
+            <a:tailEnd type="triangle" w="med" len="lg"/>
+          </a:ln>
+        </p:spPr>
+        <p:style>
+          <a:lnRef idx="2">
+            <a:schemeClr val="accent1"/>
+          </a:lnRef>
+          <a:fillRef idx="0">
+            <a:schemeClr val="accent1"/>
+          </a:fillRef>
+          <a:effectRef idx="1">
+            <a:schemeClr val="accent1"/>
+          </a:effectRef>
+          <a:fontRef idx="minor">
+            <a:schemeClr val="tx1"/>
+          </a:fontRef>
+        </p:style>
+      </p:cxnSp>
+      <p:cxnSp>
+        <p:nvCxnSpPr>
+          <p:cNvPr id="14" name="Straight Arrow Connector 13">
+            <a:extLst>
+              <a:ext uri="{FF2B5EF4-FFF2-40B4-BE49-F238E27FC236}">
+                <a16:creationId xmlns:a16="http://schemas.microsoft.com/office/drawing/2014/main" id="{A14B3030-C4D4-55EF-1ACB-970F51655424}"/>
+              </a:ext>
+            </a:extLst>
+          </p:cNvPr>
+          <p:cNvCxnSpPr>
+            <a:cxnSpLocks/>
+          </p:cNvCxnSpPr>
+          <p:nvPr/>
+        </p:nvCxnSpPr>
+        <p:spPr>
+          <a:xfrm flipV="1">
+            <a:off x="1212801" y="2439657"/>
+            <a:ext cx="973786" cy="1207935"/>
+          </a:xfrm>
+          <a:prstGeom prst="straightConnector1">
+            <a:avLst/>
+          </a:prstGeom>
+          <a:ln w="38100">
+            <a:solidFill>
+              <a:srgbClr val="FFC000"/>
+            </a:solidFill>
+            <a:tailEnd type="triangle" w="med" len="lg"/>
+          </a:ln>
+        </p:spPr>
+        <p:style>
+          <a:lnRef idx="2">
+            <a:schemeClr val="accent1"/>
+          </a:lnRef>
+          <a:fillRef idx="0">
+            <a:schemeClr val="accent1"/>
+          </a:fillRef>
+          <a:effectRef idx="1">
+            <a:schemeClr val="accent1"/>
+          </a:effectRef>
+          <a:fontRef idx="minor">
+            <a:schemeClr val="tx1"/>
+          </a:fontRef>
+        </p:style>
+      </p:cxnSp>
+      <p:sp>
+        <p:nvSpPr>
+          <p:cNvPr id="16" name="Oval 15">
+            <a:extLst>
+              <a:ext uri="{FF2B5EF4-FFF2-40B4-BE49-F238E27FC236}">
+                <a16:creationId xmlns:a16="http://schemas.microsoft.com/office/drawing/2014/main" id="{14AB4FE1-0D99-DFE7-1D5A-DE67D876541C}"/>
+              </a:ext>
+            </a:extLst>
+          </p:cNvPr>
+          <p:cNvSpPr/>
+          <p:nvPr/>
+        </p:nvSpPr>
+        <p:spPr>
+          <a:xfrm>
+            <a:off x="1212801" y="3622009"/>
+            <a:ext cx="25583" cy="25583"/>
+          </a:xfrm>
+          <a:prstGeom prst="ellipse">
+            <a:avLst/>
+          </a:prstGeom>
+          <a:solidFill>
+            <a:srgbClr val="000000"/>
+          </a:solidFill>
+          <a:ln>
+            <a:noFill/>
+          </a:ln>
+        </p:spPr>
+        <p:style>
+          <a:lnRef idx="2">
+            <a:schemeClr val="accent1">
+              <a:shade val="15000"/>
+            </a:schemeClr>
+          </a:lnRef>
+          <a:fillRef idx="1">
+            <a:schemeClr val="accent1"/>
+          </a:fillRef>
+          <a:effectRef idx="0">
+            <a:schemeClr val="accent1"/>
+          </a:effectRef>
+          <a:fontRef idx="minor">
+            <a:schemeClr val="lt1"/>
+          </a:fontRef>
+        </p:style>
+        <p:txBody>
+          <a:bodyPr rtlCol="0" anchor="ctr"/>
+          <a:lstStyle/>
+          <a:p>
+            <a:pPr algn="ctr"/>
+            <a:endParaRPr kumimoji="1" lang="ja-JP" altLang="en-US"/>
+          </a:p>
+        </p:txBody>
+      </p:sp>
+      <p:cxnSp>
+        <p:nvCxnSpPr>
+          <p:cNvPr id="3" name="Straight Connector 2">
+            <a:extLst>
+              <a:ext uri="{FF2B5EF4-FFF2-40B4-BE49-F238E27FC236}">
+                <a16:creationId xmlns:a16="http://schemas.microsoft.com/office/drawing/2014/main" id="{5EC7C66D-C21A-D6FE-4132-F116B5D521BA}"/>
+              </a:ext>
+            </a:extLst>
+          </p:cNvPr>
+          <p:cNvCxnSpPr>
+            <a:cxnSpLocks/>
+          </p:cNvCxnSpPr>
+          <p:nvPr/>
+        </p:nvCxnSpPr>
+        <p:spPr>
+          <a:xfrm flipV="1">
+            <a:off x="969731" y="2456931"/>
+            <a:ext cx="1196320" cy="906019"/>
+          </a:xfrm>
+          <a:prstGeom prst="line">
+            <a:avLst/>
+          </a:prstGeom>
+          <a:ln w="6350">
+            <a:solidFill>
+              <a:srgbClr val="000000"/>
+            </a:solidFill>
+            <a:prstDash val="dash"/>
+          </a:ln>
+        </p:spPr>
+        <p:style>
+          <a:lnRef idx="2">
+            <a:schemeClr val="accent1"/>
+          </a:lnRef>
+          <a:fillRef idx="0">
+            <a:schemeClr val="accent1"/>
+          </a:fillRef>
+          <a:effectRef idx="1">
+            <a:schemeClr val="accent1"/>
+          </a:effectRef>
+          <a:fontRef idx="minor">
+            <a:schemeClr val="tx1"/>
+          </a:fontRef>
+        </p:style>
+      </p:cxnSp>
+      <p:cxnSp>
+        <p:nvCxnSpPr>
+          <p:cNvPr id="15" name="Straight Connector 14">
+            <a:extLst>
+              <a:ext uri="{FF2B5EF4-FFF2-40B4-BE49-F238E27FC236}">
+                <a16:creationId xmlns:a16="http://schemas.microsoft.com/office/drawing/2014/main" id="{35EB00D5-33CE-FC2A-F6CA-D110121BE540}"/>
+              </a:ext>
+            </a:extLst>
+          </p:cNvPr>
+          <p:cNvCxnSpPr>
+            <a:cxnSpLocks/>
+          </p:cNvCxnSpPr>
+          <p:nvPr/>
+        </p:nvCxnSpPr>
+        <p:spPr>
+          <a:xfrm>
+            <a:off x="872563" y="3193382"/>
+            <a:ext cx="674998" cy="891274"/>
+          </a:xfrm>
+          <a:prstGeom prst="line">
+            <a:avLst/>
+          </a:prstGeom>
+          <a:ln w="6350">
+            <a:solidFill>
+              <a:srgbClr val="000000"/>
+            </a:solidFill>
+            <a:prstDash val="dash"/>
+          </a:ln>
+        </p:spPr>
+        <p:style>
+          <a:lnRef idx="2">
+            <a:schemeClr val="accent1"/>
+          </a:lnRef>
+          <a:fillRef idx="0">
+            <a:schemeClr val="accent1"/>
+          </a:fillRef>
+          <a:effectRef idx="1">
+            <a:schemeClr val="accent1"/>
+          </a:effectRef>
+          <a:fontRef idx="minor">
+            <a:schemeClr val="tx1"/>
+          </a:fontRef>
+        </p:style>
+      </p:cxnSp>
+      <p:cxnSp>
+        <p:nvCxnSpPr>
+          <p:cNvPr id="25" name="Straight Connector 24">
+            <a:extLst>
+              <a:ext uri="{FF2B5EF4-FFF2-40B4-BE49-F238E27FC236}">
+                <a16:creationId xmlns:a16="http://schemas.microsoft.com/office/drawing/2014/main" id="{834FD972-ED37-7C23-6527-D3A86A54EE8C}"/>
+              </a:ext>
+            </a:extLst>
+          </p:cNvPr>
+          <p:cNvCxnSpPr>
+            <a:cxnSpLocks/>
+          </p:cNvCxnSpPr>
+          <p:nvPr/>
+        </p:nvCxnSpPr>
+        <p:spPr>
+          <a:xfrm flipV="1">
+            <a:off x="1479252" y="2756446"/>
+            <a:ext cx="1624779" cy="1230507"/>
+          </a:xfrm>
+          <a:prstGeom prst="line">
+            <a:avLst/>
+          </a:prstGeom>
+          <a:ln w="6350">
+            <a:solidFill>
+              <a:srgbClr val="000000"/>
+            </a:solidFill>
+            <a:prstDash val="dash"/>
+          </a:ln>
+        </p:spPr>
+        <p:style>
+          <a:lnRef idx="2">
+            <a:schemeClr val="accent1"/>
+          </a:lnRef>
+          <a:fillRef idx="0">
+            <a:schemeClr val="accent1"/>
+          </a:fillRef>
+          <a:effectRef idx="1">
+            <a:schemeClr val="accent1"/>
+          </a:effectRef>
+          <a:fontRef idx="minor">
+            <a:schemeClr val="tx1"/>
+          </a:fontRef>
+        </p:style>
+      </p:cxnSp>
+      <p:sp>
+        <p:nvSpPr>
+          <p:cNvPr id="65" name="TextBox 64">
+            <a:extLst>
+              <a:ext uri="{FF2B5EF4-FFF2-40B4-BE49-F238E27FC236}">
+                <a16:creationId xmlns:a16="http://schemas.microsoft.com/office/drawing/2014/main" id="{CB59B259-3B47-E83C-792A-40017A095844}"/>
+              </a:ext>
+            </a:extLst>
+          </p:cNvPr>
+          <p:cNvSpPr txBox="1"/>
+          <p:nvPr/>
+        </p:nvSpPr>
+        <p:spPr>
+          <a:xfrm>
+            <a:off x="2068440" y="2111579"/>
+            <a:ext cx="607859" cy="461665"/>
+          </a:xfrm>
+          <a:prstGeom prst="rect">
+            <a:avLst/>
+          </a:prstGeom>
+          <a:noFill/>
+        </p:spPr>
+        <p:txBody>
+          <a:bodyPr wrap="none" rtlCol="0">
+            <a:spAutoFit/>
+          </a:bodyPr>
+          <a:lstStyle>
+            <a:defPPr>
+              <a:defRPr lang="ja-JP"/>
+            </a:defPPr>
+            <a:lvl1pPr>
+              <a:defRPr sz="2400"/>
+            </a:lvl1pPr>
+          </a:lstStyle>
+          <a:p>
+            <a:r>
+              <a:rPr lang="ja-JP" altLang="en-US" dirty="0"/>
+              <a:t>🍊</a:t>
+            </a:r>
+          </a:p>
+        </p:txBody>
+      </p:sp>
+      <p:cxnSp>
+        <p:nvCxnSpPr>
+          <p:cNvPr id="78" name="Straight Connector 77">
+            <a:extLst>
+              <a:ext uri="{FF2B5EF4-FFF2-40B4-BE49-F238E27FC236}">
+                <a16:creationId xmlns:a16="http://schemas.microsoft.com/office/drawing/2014/main" id="{0130AA32-FD2E-EB32-64AC-6527CA1BDDFE}"/>
+              </a:ext>
+            </a:extLst>
+          </p:cNvPr>
+          <p:cNvCxnSpPr>
+            <a:cxnSpLocks/>
+          </p:cNvCxnSpPr>
+          <p:nvPr/>
+        </p:nvCxnSpPr>
+        <p:spPr>
+          <a:xfrm flipH="1" flipV="1">
+            <a:off x="5299233" y="3307080"/>
+            <a:ext cx="262558" cy="346684"/>
+          </a:xfrm>
+          <a:prstGeom prst="line">
+            <a:avLst/>
+          </a:prstGeom>
+          <a:ln w="38100">
+            <a:solidFill>
+              <a:srgbClr val="FFC000"/>
+            </a:solidFill>
+            <a:tailEnd type="triangle" w="med" len="lg"/>
+          </a:ln>
+        </p:spPr>
+        <p:style>
+          <a:lnRef idx="2">
+            <a:schemeClr val="accent1"/>
+          </a:lnRef>
+          <a:fillRef idx="0">
+            <a:schemeClr val="accent1"/>
+          </a:fillRef>
+          <a:effectRef idx="1">
+            <a:schemeClr val="accent1"/>
+          </a:effectRef>
+          <a:fontRef idx="minor">
+            <a:schemeClr val="tx1"/>
+          </a:fontRef>
+        </p:style>
+      </p:cxnSp>
+      <p:cxnSp>
+        <p:nvCxnSpPr>
+          <p:cNvPr id="79" name="Straight Connector 78">
+            <a:extLst>
+              <a:ext uri="{FF2B5EF4-FFF2-40B4-BE49-F238E27FC236}">
+                <a16:creationId xmlns:a16="http://schemas.microsoft.com/office/drawing/2014/main" id="{E920FA45-4B5F-481E-93B8-9176F19C1B1F}"/>
+              </a:ext>
+            </a:extLst>
+          </p:cNvPr>
+          <p:cNvCxnSpPr>
+            <a:cxnSpLocks/>
+          </p:cNvCxnSpPr>
+          <p:nvPr/>
+        </p:nvCxnSpPr>
+        <p:spPr>
+          <a:xfrm>
+            <a:off x="5570586" y="3653764"/>
+            <a:ext cx="248859" cy="328596"/>
+          </a:xfrm>
+          <a:prstGeom prst="line">
+            <a:avLst/>
+          </a:prstGeom>
+          <a:ln w="38100">
+            <a:solidFill>
+              <a:srgbClr val="EE0000"/>
+            </a:solidFill>
+            <a:tailEnd type="triangle" w="med" len="lg"/>
+          </a:ln>
+        </p:spPr>
+        <p:style>
+          <a:lnRef idx="2">
+            <a:schemeClr val="accent1"/>
+          </a:lnRef>
+          <a:fillRef idx="0">
+            <a:schemeClr val="accent1"/>
+          </a:fillRef>
+          <a:effectRef idx="1">
+            <a:schemeClr val="accent1"/>
+          </a:effectRef>
+          <a:fontRef idx="minor">
+            <a:schemeClr val="tx1"/>
+          </a:fontRef>
+        </p:style>
+      </p:cxnSp>
+      <p:cxnSp>
+        <p:nvCxnSpPr>
+          <p:cNvPr id="84" name="Straight Connector 83">
+            <a:extLst>
+              <a:ext uri="{FF2B5EF4-FFF2-40B4-BE49-F238E27FC236}">
+                <a16:creationId xmlns:a16="http://schemas.microsoft.com/office/drawing/2014/main" id="{F3E5A00D-A3F7-CCD9-4B24-C43EADCFA2FC}"/>
+              </a:ext>
+            </a:extLst>
+          </p:cNvPr>
+          <p:cNvCxnSpPr>
+            <a:cxnSpLocks/>
+          </p:cNvCxnSpPr>
+          <p:nvPr/>
+        </p:nvCxnSpPr>
+        <p:spPr>
+          <a:xfrm rot="18436890">
+            <a:off x="9996046" y="3193382"/>
+            <a:ext cx="674998" cy="891274"/>
+          </a:xfrm>
+          <a:prstGeom prst="line">
+            <a:avLst/>
+          </a:prstGeom>
+          <a:ln w="6350">
+            <a:solidFill>
+              <a:srgbClr val="000000"/>
+            </a:solidFill>
+            <a:prstDash val="dash"/>
+          </a:ln>
+        </p:spPr>
+        <p:style>
+          <a:lnRef idx="2">
+            <a:schemeClr val="accent1"/>
+          </a:lnRef>
+          <a:fillRef idx="0">
+            <a:schemeClr val="accent1"/>
+          </a:fillRef>
+          <a:effectRef idx="1">
+            <a:schemeClr val="accent1"/>
+          </a:effectRef>
+          <a:fontRef idx="minor">
+            <a:schemeClr val="tx1"/>
+          </a:fontRef>
+        </p:style>
+      </p:cxnSp>
+      <p:cxnSp>
+        <p:nvCxnSpPr>
+          <p:cNvPr id="85" name="Straight Connector 84">
+            <a:extLst>
+              <a:ext uri="{FF2B5EF4-FFF2-40B4-BE49-F238E27FC236}">
+                <a16:creationId xmlns:a16="http://schemas.microsoft.com/office/drawing/2014/main" id="{125F8B79-D0E0-428E-9889-D1E37B1BB10A}"/>
+              </a:ext>
+            </a:extLst>
+          </p:cNvPr>
+          <p:cNvCxnSpPr>
+            <a:cxnSpLocks/>
+          </p:cNvCxnSpPr>
+          <p:nvPr/>
+        </p:nvCxnSpPr>
+        <p:spPr>
+          <a:xfrm rot="18436890" flipH="1" flipV="1">
+            <a:off x="10003543" y="3464887"/>
+            <a:ext cx="262558" cy="346684"/>
+          </a:xfrm>
+          <a:prstGeom prst="line">
+            <a:avLst/>
+          </a:prstGeom>
+          <a:ln w="38100">
+            <a:solidFill>
+              <a:srgbClr val="FFC000"/>
+            </a:solidFill>
+            <a:tailEnd type="triangle" w="med" len="lg"/>
+          </a:ln>
+        </p:spPr>
+        <p:style>
+          <a:lnRef idx="2">
+            <a:schemeClr val="accent1"/>
+          </a:lnRef>
+          <a:fillRef idx="0">
+            <a:schemeClr val="accent1"/>
+          </a:fillRef>
+          <a:effectRef idx="1">
+            <a:schemeClr val="accent1"/>
+          </a:effectRef>
+          <a:fontRef idx="minor">
+            <a:schemeClr val="tx1"/>
+          </a:fontRef>
+        </p:style>
+      </p:cxnSp>
+      <p:cxnSp>
+        <p:nvCxnSpPr>
+          <p:cNvPr id="86" name="Straight Connector 85">
+            <a:extLst>
+              <a:ext uri="{FF2B5EF4-FFF2-40B4-BE49-F238E27FC236}">
+                <a16:creationId xmlns:a16="http://schemas.microsoft.com/office/drawing/2014/main" id="{A81F13DE-EBFA-3C9B-F85A-5A8434FB514B}"/>
+              </a:ext>
+            </a:extLst>
+          </p:cNvPr>
+          <p:cNvCxnSpPr>
+            <a:cxnSpLocks/>
+          </p:cNvCxnSpPr>
+          <p:nvPr/>
+        </p:nvCxnSpPr>
+        <p:spPr>
+          <a:xfrm rot="18436890">
+            <a:off x="10439261" y="3467993"/>
+            <a:ext cx="248859" cy="328596"/>
+          </a:xfrm>
+          <a:prstGeom prst="line">
+            <a:avLst/>
+          </a:prstGeom>
+          <a:ln w="38100">
+            <a:solidFill>
+              <a:srgbClr val="EE0000"/>
+            </a:solidFill>
+            <a:tailEnd type="triangle" w="med" len="lg"/>
+          </a:ln>
+        </p:spPr>
+        <p:style>
+          <a:lnRef idx="2">
+            <a:schemeClr val="accent1"/>
+          </a:lnRef>
+          <a:fillRef idx="0">
+            <a:schemeClr val="accent1"/>
+          </a:fillRef>
+          <a:effectRef idx="1">
+            <a:schemeClr val="accent1"/>
+          </a:effectRef>
+          <a:fontRef idx="minor">
+            <a:schemeClr val="tx1"/>
+          </a:fontRef>
+        </p:style>
+      </p:cxnSp>
+      <p:sp>
+        <p:nvSpPr>
+          <p:cNvPr id="88" name="TextBox 87">
+            <a:extLst>
+              <a:ext uri="{FF2B5EF4-FFF2-40B4-BE49-F238E27FC236}">
+                <a16:creationId xmlns:a16="http://schemas.microsoft.com/office/drawing/2014/main" id="{9245700B-6C81-C219-DD6B-8E60192679BB}"/>
+              </a:ext>
+            </a:extLst>
+          </p:cNvPr>
+          <p:cNvSpPr txBox="1"/>
+          <p:nvPr/>
+        </p:nvSpPr>
+        <p:spPr>
+          <a:xfrm>
+            <a:off x="10527245" y="3140866"/>
+            <a:ext cx="607859" cy="461665"/>
+          </a:xfrm>
+          <a:prstGeom prst="rect">
+            <a:avLst/>
+          </a:prstGeom>
+          <a:noFill/>
+        </p:spPr>
+        <p:txBody>
+          <a:bodyPr wrap="none" rtlCol="0">
+            <a:spAutoFit/>
+          </a:bodyPr>
+          <a:lstStyle>
+            <a:defPPr>
+              <a:defRPr lang="ja-JP"/>
+            </a:defPPr>
+            <a:lvl1pPr>
+              <a:defRPr sz="2400"/>
+            </a:lvl1pPr>
+          </a:lstStyle>
+          <a:p>
+            <a:r>
+              <a:rPr lang="ja-JP" altLang="en-US" dirty="0"/>
+              <a:t>🍎</a:t>
+            </a:r>
+          </a:p>
+        </p:txBody>
+      </p:sp>
+      <p:sp>
+        <p:nvSpPr>
+          <p:cNvPr id="89" name="TextBox 88">
+            <a:extLst>
+              <a:ext uri="{FF2B5EF4-FFF2-40B4-BE49-F238E27FC236}">
+                <a16:creationId xmlns:a16="http://schemas.microsoft.com/office/drawing/2014/main" id="{5F7D2DB5-E253-FE3A-6154-5E5B6075B45F}"/>
+              </a:ext>
+            </a:extLst>
+          </p:cNvPr>
+          <p:cNvSpPr txBox="1"/>
+          <p:nvPr/>
+        </p:nvSpPr>
+        <p:spPr>
+          <a:xfrm>
+            <a:off x="9328625" y="3140866"/>
+            <a:ext cx="607859" cy="461665"/>
+          </a:xfrm>
+          <a:prstGeom prst="rect">
+            <a:avLst/>
+          </a:prstGeom>
+          <a:noFill/>
+        </p:spPr>
+        <p:txBody>
+          <a:bodyPr wrap="none" rtlCol="0">
+            <a:spAutoFit/>
+          </a:bodyPr>
+          <a:lstStyle>
+            <a:defPPr>
+              <a:defRPr lang="ja-JP"/>
+            </a:defPPr>
+            <a:lvl1pPr>
+              <a:defRPr sz="2400"/>
+            </a:lvl1pPr>
+          </a:lstStyle>
+          <a:p>
+            <a:r>
+              <a:rPr lang="ja-JP" altLang="en-US" dirty="0"/>
+              <a:t>🍊</a:t>
+            </a:r>
+          </a:p>
+        </p:txBody>
+      </p:sp>
+      <p:sp>
+        <p:nvSpPr>
+          <p:cNvPr id="90" name="TextBox 89">
+            <a:extLst>
+              <a:ext uri="{FF2B5EF4-FFF2-40B4-BE49-F238E27FC236}">
+                <a16:creationId xmlns:a16="http://schemas.microsoft.com/office/drawing/2014/main" id="{F0C97E9C-5F7E-6C0B-64C6-1342DBBB2725}"/>
+              </a:ext>
+            </a:extLst>
+          </p:cNvPr>
+          <p:cNvSpPr txBox="1"/>
+          <p:nvPr/>
+        </p:nvSpPr>
+        <p:spPr>
+          <a:xfrm>
+            <a:off x="3081323" y="2414994"/>
+            <a:ext cx="607859" cy="461665"/>
+          </a:xfrm>
+          <a:prstGeom prst="rect">
+            <a:avLst/>
+          </a:prstGeom>
+          <a:noFill/>
+        </p:spPr>
+        <p:txBody>
+          <a:bodyPr wrap="none" rtlCol="0">
+            <a:spAutoFit/>
+          </a:bodyPr>
+          <a:lstStyle>
+            <a:defPPr>
+              <a:defRPr lang="ja-JP"/>
+            </a:defPPr>
+            <a:lvl1pPr>
+              <a:defRPr sz="2400"/>
+            </a:lvl1pPr>
+          </a:lstStyle>
+          <a:p>
+            <a:r>
+              <a:rPr lang="ja-JP" altLang="en-US" dirty="0"/>
+              <a:t>🍎</a:t>
+            </a:r>
+          </a:p>
+        </p:txBody>
+      </p:sp>
+      <p:sp>
+        <p:nvSpPr>
+          <p:cNvPr id="91" name="Arrow: Right 90">
+            <a:extLst>
+              <a:ext uri="{FF2B5EF4-FFF2-40B4-BE49-F238E27FC236}">
+                <a16:creationId xmlns:a16="http://schemas.microsoft.com/office/drawing/2014/main" id="{5432A4FC-A565-479D-4628-2D3F6E33DEEB}"/>
+              </a:ext>
+            </a:extLst>
+          </p:cNvPr>
+          <p:cNvSpPr/>
+          <p:nvPr/>
+        </p:nvSpPr>
+        <p:spPr>
+          <a:xfrm>
+            <a:off x="4285835" y="2670130"/>
+            <a:ext cx="369711" cy="362036"/>
+          </a:xfrm>
+          <a:prstGeom prst="rightArrow">
+            <a:avLst/>
+          </a:prstGeom>
+          <a:solidFill>
+            <a:srgbClr val="B2B2B2"/>
+          </a:solidFill>
+          <a:ln>
+            <a:noFill/>
+          </a:ln>
+        </p:spPr>
+        <p:style>
+          <a:lnRef idx="2">
+            <a:schemeClr val="accent1">
+              <a:shade val="15000"/>
+            </a:schemeClr>
+          </a:lnRef>
+          <a:fillRef idx="1">
+            <a:schemeClr val="accent1"/>
+          </a:fillRef>
+          <a:effectRef idx="0">
+            <a:schemeClr val="accent1"/>
+          </a:effectRef>
+          <a:fontRef idx="minor">
+            <a:schemeClr val="lt1"/>
+          </a:fontRef>
+        </p:style>
+        <p:txBody>
+          <a:bodyPr rtlCol="0" anchor="ctr"/>
+          <a:lstStyle/>
+          <a:p>
+            <a:pPr algn="ctr"/>
+            <a:endParaRPr lang="ja-JP" altLang="en-US">
+              <a:solidFill>
+                <a:schemeClr val="tx1"/>
+              </a:solidFill>
+            </a:endParaRPr>
+          </a:p>
+        </p:txBody>
+      </p:sp>
+      <p:sp>
+        <p:nvSpPr>
+          <p:cNvPr id="92" name="Arrow: Curved Down 91">
+            <a:extLst>
+              <a:ext uri="{FF2B5EF4-FFF2-40B4-BE49-F238E27FC236}">
+                <a16:creationId xmlns:a16="http://schemas.microsoft.com/office/drawing/2014/main" id="{3A880D99-62C8-1729-92C8-4B41ADD2A45E}"/>
+              </a:ext>
+            </a:extLst>
+          </p:cNvPr>
+          <p:cNvSpPr/>
+          <p:nvPr/>
+        </p:nvSpPr>
+        <p:spPr>
+          <a:xfrm>
+            <a:off x="8222428" y="2670130"/>
+            <a:ext cx="743481" cy="461666"/>
+          </a:xfrm>
+          <a:prstGeom prst="curvedDownArrow">
+            <a:avLst/>
+          </a:prstGeom>
+          <a:solidFill>
+            <a:srgbClr val="B2B2B2"/>
+          </a:solidFill>
+          <a:ln>
+            <a:noFill/>
+          </a:ln>
+        </p:spPr>
+        <p:style>
+          <a:lnRef idx="2">
+            <a:schemeClr val="accent1">
+              <a:shade val="15000"/>
+            </a:schemeClr>
+          </a:lnRef>
+          <a:fillRef idx="1">
+            <a:schemeClr val="accent1"/>
+          </a:fillRef>
+          <a:effectRef idx="0">
+            <a:schemeClr val="accent1"/>
+          </a:effectRef>
+          <a:fontRef idx="minor">
+            <a:schemeClr val="lt1"/>
+          </a:fontRef>
+        </p:style>
+        <p:txBody>
+          <a:bodyPr rtlCol="0" anchor="ctr"/>
+          <a:lstStyle/>
+          <a:p>
+            <a:pPr algn="ctr"/>
+            <a:endParaRPr kumimoji="1" lang="ja-JP" altLang="en-US">
+              <a:solidFill>
+                <a:schemeClr val="tx1"/>
+              </a:solidFill>
+            </a:endParaRPr>
+          </a:p>
+        </p:txBody>
+      </p:sp>
+    </p:spTree>
+    <p:extLst>
+      <p:ext uri="{BB962C8B-B14F-4D97-AF65-F5344CB8AC3E}">
+        <p14:creationId xmlns:p14="http://schemas.microsoft.com/office/powerpoint/2010/main" val="3720064385"/>
+      </p:ext>
+    </p:extLst>
+  </p:cSld>
+  <p:clrMapOvr>
+    <a:masterClrMapping/>
+  </p:clrMapOvr>
+</p:sld>
+</file>
+
+<file path=ppt/slides/slide11.xml><?xml version="1.0" encoding="utf-8"?>
+<p:sld xmlns:a="http://schemas.openxmlformats.org/drawingml/2006/main" xmlns:r="http://schemas.openxmlformats.org/officeDocument/2006/relationships" xmlns:p="http://schemas.openxmlformats.org/presentationml/2006/main">
+  <p:cSld>
+    <p:spTree>
+      <p:nvGrpSpPr>
+        <p:cNvPr id="1" name="">
+          <a:extLst>
+            <a:ext uri="{FF2B5EF4-FFF2-40B4-BE49-F238E27FC236}">
               <a16:creationId xmlns:a16="http://schemas.microsoft.com/office/drawing/2014/main" id="{66158F95-4347-DA5A-3387-F7A33C1B35FB}"/>
             </a:ext>
           </a:extLst>
@@ -7841,7 +9181,7 @@
 </p:sld>
 </file>
 
-<file path=ppt/slides/slide11.xml><?xml version="1.0" encoding="utf-8"?>
+<file path=ppt/slides/slide12.xml><?xml version="1.0" encoding="utf-8"?>
 <p:sld xmlns:a="http://schemas.openxmlformats.org/drawingml/2006/main" xmlns:r="http://schemas.openxmlformats.org/officeDocument/2006/relationships" xmlns:p="http://schemas.openxmlformats.org/presentationml/2006/main">
   <p:cSld>
     <p:spTree>
@@ -9717,7 +11057,7 @@
 </p:sld>
 </file>
 
-<file path=ppt/slides/slide12.xml><?xml version="1.0" encoding="utf-8"?>
+<file path=ppt/slides/slide13.xml><?xml version="1.0" encoding="utf-8"?>
 <p:sld xmlns:a="http://schemas.openxmlformats.org/drawingml/2006/main" xmlns:r="http://schemas.openxmlformats.org/officeDocument/2006/relationships" xmlns:p="http://schemas.openxmlformats.org/presentationml/2006/main">
   <p:cSld>
     <p:spTree>
@@ -11668,7 +13008,7 @@
 </p:sld>
 </file>
 
-<file path=ppt/slides/slide13.xml><?xml version="1.0" encoding="utf-8"?>
+<file path=ppt/slides/slide14.xml><?xml version="1.0" encoding="utf-8"?>
 <p:sld xmlns:a="http://schemas.openxmlformats.org/drawingml/2006/main" xmlns:r="http://schemas.openxmlformats.org/officeDocument/2006/relationships" xmlns:p="http://schemas.openxmlformats.org/presentationml/2006/main">
   <p:cSld>
     <p:spTree>
@@ -12793,7 +14133,7 @@
 </p:sld>
 </file>
 
-<file path=ppt/slides/slide14.xml><?xml version="1.0" encoding="utf-8"?>
+<file path=ppt/slides/slide15.xml><?xml version="1.0" encoding="utf-8"?>
 <p:sld xmlns:a="http://schemas.openxmlformats.org/drawingml/2006/main" xmlns:r="http://schemas.openxmlformats.org/officeDocument/2006/relationships" xmlns:p="http://schemas.openxmlformats.org/presentationml/2006/main">
   <p:cSld>
     <p:spTree>
@@ -13984,7 +15324,7 @@
 </p:sld>
 </file>
 
-<file path=ppt/slides/slide15.xml><?xml version="1.0" encoding="utf-8"?>
+<file path=ppt/slides/slide16.xml><?xml version="1.0" encoding="utf-8"?>
 <p:sld xmlns:a="http://schemas.openxmlformats.org/drawingml/2006/main" xmlns:r="http://schemas.openxmlformats.org/officeDocument/2006/relationships" xmlns:p="http://schemas.openxmlformats.org/presentationml/2006/main">
   <p:cSld>
     <p:spTree>
@@ -14406,7 +15746,7 @@
 </p:sld>
 </file>
 
-<file path=ppt/slides/slide16.xml><?xml version="1.0" encoding="utf-8"?>
+<file path=ppt/slides/slide17.xml><?xml version="1.0" encoding="utf-8"?>
 <p:sld xmlns:a="http://schemas.openxmlformats.org/drawingml/2006/main" xmlns:r="http://schemas.openxmlformats.org/officeDocument/2006/relationships" xmlns:p="http://schemas.openxmlformats.org/presentationml/2006/main">
   <p:cSld>
     <p:spTree>
@@ -31515,6 +32855,1051 @@
   <p:cSld>
     <p:spTree>
       <p:nvGrpSpPr>
+        <p:cNvPr id="1" name=""/>
+        <p:cNvGrpSpPr/>
+        <p:nvPr/>
+      </p:nvGrpSpPr>
+      <p:grpSpPr>
+        <a:xfrm>
+          <a:off x="0" y="0"/>
+          <a:ext cx="0" cy="0"/>
+          <a:chOff x="0" y="0"/>
+          <a:chExt cx="0" cy="0"/>
+        </a:xfrm>
+      </p:grpSpPr>
+      <p:sp>
+        <p:nvSpPr>
+          <p:cNvPr id="2" name="Parallelogram 1">
+            <a:extLst>
+              <a:ext uri="{FF2B5EF4-FFF2-40B4-BE49-F238E27FC236}">
+                <a16:creationId xmlns:a16="http://schemas.microsoft.com/office/drawing/2014/main" id="{3A339BA2-E6B7-AB67-93A4-4D5B9B669877}"/>
+              </a:ext>
+            </a:extLst>
+          </p:cNvPr>
+          <p:cNvSpPr/>
+          <p:nvPr/>
+        </p:nvSpPr>
+        <p:spPr>
+          <a:xfrm>
+            <a:off x="3035776" y="3275692"/>
+            <a:ext cx="1921815" cy="481255"/>
+          </a:xfrm>
+          <a:prstGeom prst="parallelogram">
+            <a:avLst>
+              <a:gd name="adj" fmla="val 105597"/>
+            </a:avLst>
+          </a:prstGeom>
+          <a:gradFill flip="none" rotWithShape="1">
+            <a:gsLst>
+              <a:gs pos="0">
+                <a:srgbClr val="FFCC66">
+                  <a:shade val="30000"/>
+                  <a:satMod val="115000"/>
+                </a:srgbClr>
+              </a:gs>
+              <a:gs pos="50000">
+                <a:srgbClr val="FFCC66">
+                  <a:shade val="67500"/>
+                  <a:satMod val="115000"/>
+                </a:srgbClr>
+              </a:gs>
+              <a:gs pos="100000">
+                <a:srgbClr val="FFCC66">
+                  <a:shade val="100000"/>
+                  <a:satMod val="115000"/>
+                </a:srgbClr>
+              </a:gs>
+            </a:gsLst>
+            <a:lin ang="18900000" scaled="1"/>
+            <a:tileRect/>
+          </a:gradFill>
+          <a:ln>
+            <a:noFill/>
+          </a:ln>
+        </p:spPr>
+        <p:style>
+          <a:lnRef idx="2">
+            <a:schemeClr val="accent1">
+              <a:shade val="15000"/>
+            </a:schemeClr>
+          </a:lnRef>
+          <a:fillRef idx="1">
+            <a:schemeClr val="accent1"/>
+          </a:fillRef>
+          <a:effectRef idx="0">
+            <a:schemeClr val="accent1"/>
+          </a:effectRef>
+          <a:fontRef idx="minor">
+            <a:schemeClr val="lt1"/>
+          </a:fontRef>
+        </p:style>
+        <p:txBody>
+          <a:bodyPr rtlCol="0" anchor="ctr"/>
+          <a:lstStyle/>
+          <a:p>
+            <a:pPr algn="ctr"/>
+            <a:endParaRPr kumimoji="1" lang="ja-JP" altLang="en-US"/>
+          </a:p>
+        </p:txBody>
+      </p:sp>
+      <p:sp>
+        <p:nvSpPr>
+          <p:cNvPr id="3" name="Cylinder 2">
+            <a:extLst>
+              <a:ext uri="{FF2B5EF4-FFF2-40B4-BE49-F238E27FC236}">
+                <a16:creationId xmlns:a16="http://schemas.microsoft.com/office/drawing/2014/main" id="{B8848B1C-1552-8E93-ABD3-A0E84ED29448}"/>
+              </a:ext>
+            </a:extLst>
+          </p:cNvPr>
+          <p:cNvSpPr/>
+          <p:nvPr/>
+        </p:nvSpPr>
+        <p:spPr>
+          <a:xfrm>
+            <a:off x="3578292" y="2349871"/>
+            <a:ext cx="133057" cy="1153981"/>
+          </a:xfrm>
+          <a:prstGeom prst="can">
+            <a:avLst/>
+          </a:prstGeom>
+          <a:solidFill>
+            <a:srgbClr val="800000"/>
+          </a:solidFill>
+          <a:ln>
+            <a:noFill/>
+          </a:ln>
+        </p:spPr>
+        <p:style>
+          <a:lnRef idx="2">
+            <a:schemeClr val="accent1">
+              <a:shade val="15000"/>
+            </a:schemeClr>
+          </a:lnRef>
+          <a:fillRef idx="1">
+            <a:schemeClr val="accent1"/>
+          </a:fillRef>
+          <a:effectRef idx="0">
+            <a:schemeClr val="accent1"/>
+          </a:effectRef>
+          <a:fontRef idx="minor">
+            <a:schemeClr val="lt1"/>
+          </a:fontRef>
+        </p:style>
+        <p:txBody>
+          <a:bodyPr rtlCol="0" anchor="ctr"/>
+          <a:lstStyle/>
+          <a:p>
+            <a:pPr algn="ctr"/>
+            <a:endParaRPr kumimoji="1" lang="ja-JP" altLang="en-US"/>
+          </a:p>
+        </p:txBody>
+      </p:sp>
+      <p:sp>
+        <p:nvSpPr>
+          <p:cNvPr id="4" name="Cylinder 3">
+            <a:extLst>
+              <a:ext uri="{FF2B5EF4-FFF2-40B4-BE49-F238E27FC236}">
+                <a16:creationId xmlns:a16="http://schemas.microsoft.com/office/drawing/2014/main" id="{4C07CC19-52DE-73C4-4E9B-08B43B5711A5}"/>
+              </a:ext>
+            </a:extLst>
+          </p:cNvPr>
+          <p:cNvSpPr/>
+          <p:nvPr/>
+        </p:nvSpPr>
+        <p:spPr>
+          <a:xfrm rot="2129818">
+            <a:off x="3769848" y="2463825"/>
+            <a:ext cx="57267" cy="542158"/>
+          </a:xfrm>
+          <a:prstGeom prst="can">
+            <a:avLst/>
+          </a:prstGeom>
+          <a:solidFill>
+            <a:srgbClr val="800000"/>
+          </a:solidFill>
+          <a:ln>
+            <a:noFill/>
+          </a:ln>
+        </p:spPr>
+        <p:style>
+          <a:lnRef idx="2">
+            <a:schemeClr val="accent1">
+              <a:shade val="15000"/>
+            </a:schemeClr>
+          </a:lnRef>
+          <a:fillRef idx="1">
+            <a:schemeClr val="accent1"/>
+          </a:fillRef>
+          <a:effectRef idx="0">
+            <a:schemeClr val="accent1"/>
+          </a:effectRef>
+          <a:fontRef idx="minor">
+            <a:schemeClr val="lt1"/>
+          </a:fontRef>
+        </p:style>
+        <p:txBody>
+          <a:bodyPr rtlCol="0" anchor="ctr"/>
+          <a:lstStyle/>
+          <a:p>
+            <a:pPr algn="ctr"/>
+            <a:endParaRPr kumimoji="1" lang="ja-JP" altLang="en-US"/>
+          </a:p>
+        </p:txBody>
+      </p:sp>
+      <p:sp>
+        <p:nvSpPr>
+          <p:cNvPr id="5" name="Cylinder 4">
+            <a:extLst>
+              <a:ext uri="{FF2B5EF4-FFF2-40B4-BE49-F238E27FC236}">
+                <a16:creationId xmlns:a16="http://schemas.microsoft.com/office/drawing/2014/main" id="{240DB55E-ADA2-1230-2232-536D39B681DB}"/>
+              </a:ext>
+            </a:extLst>
+          </p:cNvPr>
+          <p:cNvSpPr/>
+          <p:nvPr/>
+        </p:nvSpPr>
+        <p:spPr>
+          <a:xfrm rot="18769290">
+            <a:off x="3467966" y="2759292"/>
+            <a:ext cx="62740" cy="370495"/>
+          </a:xfrm>
+          <a:prstGeom prst="can">
+            <a:avLst/>
+          </a:prstGeom>
+          <a:solidFill>
+            <a:srgbClr val="800000"/>
+          </a:solidFill>
+          <a:ln>
+            <a:noFill/>
+          </a:ln>
+        </p:spPr>
+        <p:style>
+          <a:lnRef idx="2">
+            <a:schemeClr val="accent1">
+              <a:shade val="15000"/>
+            </a:schemeClr>
+          </a:lnRef>
+          <a:fillRef idx="1">
+            <a:schemeClr val="accent1"/>
+          </a:fillRef>
+          <a:effectRef idx="0">
+            <a:schemeClr val="accent1"/>
+          </a:effectRef>
+          <a:fontRef idx="minor">
+            <a:schemeClr val="lt1"/>
+          </a:fontRef>
+        </p:style>
+        <p:txBody>
+          <a:bodyPr rtlCol="0" anchor="ctr"/>
+          <a:lstStyle/>
+          <a:p>
+            <a:pPr algn="ctr"/>
+            <a:endParaRPr kumimoji="1" lang="ja-JP" altLang="en-US"/>
+          </a:p>
+        </p:txBody>
+      </p:sp>
+      <p:sp>
+        <p:nvSpPr>
+          <p:cNvPr id="6" name="Oval 5">
+            <a:extLst>
+              <a:ext uri="{FF2B5EF4-FFF2-40B4-BE49-F238E27FC236}">
+                <a16:creationId xmlns:a16="http://schemas.microsoft.com/office/drawing/2014/main" id="{4E4837DD-A98C-43C1-839F-2E489037EFA1}"/>
+              </a:ext>
+            </a:extLst>
+          </p:cNvPr>
+          <p:cNvSpPr/>
+          <p:nvPr/>
+        </p:nvSpPr>
+        <p:spPr>
+          <a:xfrm>
+            <a:off x="3176213" y="2635710"/>
+            <a:ext cx="266674" cy="272999"/>
+          </a:xfrm>
+          <a:prstGeom prst="ellipse">
+            <a:avLst/>
+          </a:prstGeom>
+          <a:solidFill>
+            <a:srgbClr val="99CC00"/>
+          </a:solidFill>
+          <a:ln>
+            <a:noFill/>
+          </a:ln>
+        </p:spPr>
+        <p:style>
+          <a:lnRef idx="2">
+            <a:schemeClr val="accent1">
+              <a:shade val="15000"/>
+            </a:schemeClr>
+          </a:lnRef>
+          <a:fillRef idx="1">
+            <a:schemeClr val="accent1"/>
+          </a:fillRef>
+          <a:effectRef idx="0">
+            <a:schemeClr val="accent1"/>
+          </a:effectRef>
+          <a:fontRef idx="minor">
+            <a:schemeClr val="lt1"/>
+          </a:fontRef>
+        </p:style>
+        <p:txBody>
+          <a:bodyPr rtlCol="0" anchor="ctr"/>
+          <a:lstStyle/>
+          <a:p>
+            <a:pPr algn="ctr"/>
+            <a:endParaRPr kumimoji="1" lang="ja-JP" altLang="en-US"/>
+          </a:p>
+        </p:txBody>
+      </p:sp>
+      <p:sp>
+        <p:nvSpPr>
+          <p:cNvPr id="7" name="Oval 6">
+            <a:extLst>
+              <a:ext uri="{FF2B5EF4-FFF2-40B4-BE49-F238E27FC236}">
+                <a16:creationId xmlns:a16="http://schemas.microsoft.com/office/drawing/2014/main" id="{63A6C4FC-8E2F-34D6-C195-878A625A623A}"/>
+              </a:ext>
+            </a:extLst>
+          </p:cNvPr>
+          <p:cNvSpPr/>
+          <p:nvPr/>
+        </p:nvSpPr>
+        <p:spPr>
+          <a:xfrm>
+            <a:off x="3426489" y="2102496"/>
+            <a:ext cx="408775" cy="395084"/>
+          </a:xfrm>
+          <a:prstGeom prst="ellipse">
+            <a:avLst/>
+          </a:prstGeom>
+          <a:solidFill>
+            <a:srgbClr val="99CC00"/>
+          </a:solidFill>
+          <a:ln>
+            <a:noFill/>
+          </a:ln>
+        </p:spPr>
+        <p:style>
+          <a:lnRef idx="2">
+            <a:schemeClr val="accent1">
+              <a:shade val="15000"/>
+            </a:schemeClr>
+          </a:lnRef>
+          <a:fillRef idx="1">
+            <a:schemeClr val="accent1"/>
+          </a:fillRef>
+          <a:effectRef idx="0">
+            <a:schemeClr val="accent1"/>
+          </a:effectRef>
+          <a:fontRef idx="minor">
+            <a:schemeClr val="lt1"/>
+          </a:fontRef>
+        </p:style>
+        <p:txBody>
+          <a:bodyPr rtlCol="0" anchor="ctr"/>
+          <a:lstStyle/>
+          <a:p>
+            <a:pPr algn="ctr"/>
+            <a:endParaRPr kumimoji="1" lang="ja-JP" altLang="en-US"/>
+          </a:p>
+        </p:txBody>
+      </p:sp>
+      <p:sp>
+        <p:nvSpPr>
+          <p:cNvPr id="8" name="Oval 7">
+            <a:extLst>
+              <a:ext uri="{FF2B5EF4-FFF2-40B4-BE49-F238E27FC236}">
+                <a16:creationId xmlns:a16="http://schemas.microsoft.com/office/drawing/2014/main" id="{0CDD465E-69D2-43DA-E8E9-7978D321AC89}"/>
+              </a:ext>
+            </a:extLst>
+          </p:cNvPr>
+          <p:cNvSpPr/>
+          <p:nvPr/>
+        </p:nvSpPr>
+        <p:spPr>
+          <a:xfrm>
+            <a:off x="3835430" y="2365489"/>
+            <a:ext cx="264675" cy="246275"/>
+          </a:xfrm>
+          <a:prstGeom prst="ellipse">
+            <a:avLst/>
+          </a:prstGeom>
+          <a:solidFill>
+            <a:srgbClr val="99CC00"/>
+          </a:solidFill>
+          <a:ln>
+            <a:noFill/>
+          </a:ln>
+        </p:spPr>
+        <p:style>
+          <a:lnRef idx="2">
+            <a:schemeClr val="accent1">
+              <a:shade val="15000"/>
+            </a:schemeClr>
+          </a:lnRef>
+          <a:fillRef idx="1">
+            <a:schemeClr val="accent1"/>
+          </a:fillRef>
+          <a:effectRef idx="0">
+            <a:schemeClr val="accent1"/>
+          </a:effectRef>
+          <a:fontRef idx="minor">
+            <a:schemeClr val="lt1"/>
+          </a:fontRef>
+        </p:style>
+        <p:txBody>
+          <a:bodyPr rtlCol="0" anchor="ctr"/>
+          <a:lstStyle/>
+          <a:p>
+            <a:pPr algn="ctr"/>
+            <a:endParaRPr kumimoji="1" lang="ja-JP" altLang="en-US"/>
+          </a:p>
+        </p:txBody>
+      </p:sp>
+      <p:sp>
+        <p:nvSpPr>
+          <p:cNvPr id="9" name="Cylinder 8">
+            <a:extLst>
+              <a:ext uri="{FF2B5EF4-FFF2-40B4-BE49-F238E27FC236}">
+                <a16:creationId xmlns:a16="http://schemas.microsoft.com/office/drawing/2014/main" id="{919C7FA6-1B29-AABD-6578-F69CA647F429}"/>
+              </a:ext>
+            </a:extLst>
+          </p:cNvPr>
+          <p:cNvSpPr/>
+          <p:nvPr/>
+        </p:nvSpPr>
+        <p:spPr>
+          <a:xfrm rot="3843812">
+            <a:off x="3864059" y="2604592"/>
+            <a:ext cx="27249" cy="251404"/>
+          </a:xfrm>
+          <a:prstGeom prst="can">
+            <a:avLst/>
+          </a:prstGeom>
+          <a:solidFill>
+            <a:srgbClr val="800000"/>
+          </a:solidFill>
+          <a:ln>
+            <a:noFill/>
+          </a:ln>
+        </p:spPr>
+        <p:style>
+          <a:lnRef idx="2">
+            <a:schemeClr val="accent1">
+              <a:shade val="15000"/>
+            </a:schemeClr>
+          </a:lnRef>
+          <a:fillRef idx="1">
+            <a:schemeClr val="accent1"/>
+          </a:fillRef>
+          <a:effectRef idx="0">
+            <a:schemeClr val="accent1"/>
+          </a:effectRef>
+          <a:fontRef idx="minor">
+            <a:schemeClr val="lt1"/>
+          </a:fontRef>
+        </p:style>
+        <p:txBody>
+          <a:bodyPr rtlCol="0" anchor="ctr"/>
+          <a:lstStyle/>
+          <a:p>
+            <a:pPr algn="ctr"/>
+            <a:endParaRPr kumimoji="1" lang="ja-JP" altLang="en-US"/>
+          </a:p>
+        </p:txBody>
+      </p:sp>
+      <p:sp>
+        <p:nvSpPr>
+          <p:cNvPr id="10" name="TextBox 9">
+            <a:extLst>
+              <a:ext uri="{FF2B5EF4-FFF2-40B4-BE49-F238E27FC236}">
+                <a16:creationId xmlns:a16="http://schemas.microsoft.com/office/drawing/2014/main" id="{6EF8A054-862B-27E8-DD01-4E082F27DC0F}"/>
+              </a:ext>
+            </a:extLst>
+          </p:cNvPr>
+          <p:cNvSpPr txBox="1"/>
+          <p:nvPr/>
+        </p:nvSpPr>
+        <p:spPr>
+          <a:xfrm>
+            <a:off x="3750222" y="3195419"/>
+            <a:ext cx="607859" cy="461665"/>
+          </a:xfrm>
+          <a:prstGeom prst="rect">
+            <a:avLst/>
+          </a:prstGeom>
+          <a:noFill/>
+        </p:spPr>
+        <p:txBody>
+          <a:bodyPr wrap="none" rtlCol="0">
+            <a:spAutoFit/>
+          </a:bodyPr>
+          <a:lstStyle>
+            <a:defPPr>
+              <a:defRPr lang="ja-JP"/>
+            </a:defPPr>
+            <a:lvl1pPr>
+              <a:defRPr sz="2400"/>
+            </a:lvl1pPr>
+          </a:lstStyle>
+          <a:p>
+            <a:r>
+              <a:rPr lang="ja-JP" altLang="en-US" dirty="0"/>
+              <a:t>🍎</a:t>
+            </a:r>
+          </a:p>
+        </p:txBody>
+      </p:sp>
+      <p:cxnSp>
+        <p:nvCxnSpPr>
+          <p:cNvPr id="11" name="Straight Arrow Connector 10">
+            <a:extLst>
+              <a:ext uri="{FF2B5EF4-FFF2-40B4-BE49-F238E27FC236}">
+                <a16:creationId xmlns:a16="http://schemas.microsoft.com/office/drawing/2014/main" id="{D1D10E0C-25A0-456F-3E54-29DB6026DD1A}"/>
+              </a:ext>
+            </a:extLst>
+          </p:cNvPr>
+          <p:cNvCxnSpPr>
+            <a:cxnSpLocks/>
+          </p:cNvCxnSpPr>
+          <p:nvPr/>
+        </p:nvCxnSpPr>
+        <p:spPr>
+          <a:xfrm>
+            <a:off x="4923294" y="3632757"/>
+            <a:ext cx="1885502" cy="0"/>
+          </a:xfrm>
+          <a:prstGeom prst="straightConnector1">
+            <a:avLst/>
+          </a:prstGeom>
+          <a:ln>
+            <a:solidFill>
+              <a:srgbClr val="000000"/>
+            </a:solidFill>
+            <a:tailEnd type="triangle"/>
+          </a:ln>
+        </p:spPr>
+        <p:style>
+          <a:lnRef idx="2">
+            <a:schemeClr val="accent1"/>
+          </a:lnRef>
+          <a:fillRef idx="0">
+            <a:schemeClr val="accent1"/>
+          </a:fillRef>
+          <a:effectRef idx="1">
+            <a:schemeClr val="accent1"/>
+          </a:effectRef>
+          <a:fontRef idx="minor">
+            <a:schemeClr val="tx1"/>
+          </a:fontRef>
+        </p:style>
+      </p:cxnSp>
+      <p:cxnSp>
+        <p:nvCxnSpPr>
+          <p:cNvPr id="12" name="Straight Arrow Connector 11">
+            <a:extLst>
+              <a:ext uri="{FF2B5EF4-FFF2-40B4-BE49-F238E27FC236}">
+                <a16:creationId xmlns:a16="http://schemas.microsoft.com/office/drawing/2014/main" id="{6650A853-35E3-1760-D6E2-70D4A457EF25}"/>
+              </a:ext>
+            </a:extLst>
+          </p:cNvPr>
+          <p:cNvCxnSpPr>
+            <a:cxnSpLocks/>
+          </p:cNvCxnSpPr>
+          <p:nvPr/>
+        </p:nvCxnSpPr>
+        <p:spPr>
+          <a:xfrm rot="16200000">
+            <a:off x="4403974" y="3091287"/>
+            <a:ext cx="1761918" cy="0"/>
+          </a:xfrm>
+          <a:prstGeom prst="straightConnector1">
+            <a:avLst/>
+          </a:prstGeom>
+          <a:ln>
+            <a:solidFill>
+              <a:srgbClr val="000000"/>
+            </a:solidFill>
+            <a:tailEnd type="triangle"/>
+          </a:ln>
+        </p:spPr>
+        <p:style>
+          <a:lnRef idx="2">
+            <a:schemeClr val="accent1"/>
+          </a:lnRef>
+          <a:fillRef idx="0">
+            <a:schemeClr val="accent1"/>
+          </a:fillRef>
+          <a:effectRef idx="1">
+            <a:schemeClr val="accent1"/>
+          </a:effectRef>
+          <a:fontRef idx="minor">
+            <a:schemeClr val="tx1"/>
+          </a:fontRef>
+        </p:style>
+      </p:cxnSp>
+      <p:cxnSp>
+        <p:nvCxnSpPr>
+          <p:cNvPr id="13" name="Straight Arrow Connector 12">
+            <a:extLst>
+              <a:ext uri="{FF2B5EF4-FFF2-40B4-BE49-F238E27FC236}">
+                <a16:creationId xmlns:a16="http://schemas.microsoft.com/office/drawing/2014/main" id="{DA34A61D-B410-CF2C-ECD8-8358599138F4}"/>
+              </a:ext>
+            </a:extLst>
+          </p:cNvPr>
+          <p:cNvCxnSpPr>
+            <a:cxnSpLocks/>
+          </p:cNvCxnSpPr>
+          <p:nvPr/>
+        </p:nvCxnSpPr>
+        <p:spPr>
+          <a:xfrm flipV="1">
+            <a:off x="5284933" y="3007123"/>
+            <a:ext cx="1317079" cy="625634"/>
+          </a:xfrm>
+          <a:prstGeom prst="straightConnector1">
+            <a:avLst/>
+          </a:prstGeom>
+          <a:ln w="38100">
+            <a:solidFill>
+              <a:srgbClr val="EE0000"/>
+            </a:solidFill>
+            <a:tailEnd type="triangle" w="med" len="lg"/>
+          </a:ln>
+        </p:spPr>
+        <p:style>
+          <a:lnRef idx="2">
+            <a:schemeClr val="accent1"/>
+          </a:lnRef>
+          <a:fillRef idx="0">
+            <a:schemeClr val="accent1"/>
+          </a:fillRef>
+          <a:effectRef idx="1">
+            <a:schemeClr val="accent1"/>
+          </a:effectRef>
+          <a:fontRef idx="minor">
+            <a:schemeClr val="tx1"/>
+          </a:fontRef>
+        </p:style>
+      </p:cxnSp>
+      <p:sp>
+        <p:nvSpPr>
+          <p:cNvPr id="14" name="Oval 13">
+            <a:extLst>
+              <a:ext uri="{FF2B5EF4-FFF2-40B4-BE49-F238E27FC236}">
+                <a16:creationId xmlns:a16="http://schemas.microsoft.com/office/drawing/2014/main" id="{F577C523-C48A-BE35-E301-1723C5D687FA}"/>
+              </a:ext>
+            </a:extLst>
+          </p:cNvPr>
+          <p:cNvSpPr/>
+          <p:nvPr/>
+        </p:nvSpPr>
+        <p:spPr>
+          <a:xfrm>
+            <a:off x="5284933" y="3615137"/>
+            <a:ext cx="17619" cy="17619"/>
+          </a:xfrm>
+          <a:prstGeom prst="ellipse">
+            <a:avLst/>
+          </a:prstGeom>
+          <a:solidFill>
+            <a:srgbClr val="000000"/>
+          </a:solidFill>
+          <a:ln>
+            <a:noFill/>
+          </a:ln>
+        </p:spPr>
+        <p:style>
+          <a:lnRef idx="2">
+            <a:schemeClr val="accent1">
+              <a:shade val="15000"/>
+            </a:schemeClr>
+          </a:lnRef>
+          <a:fillRef idx="1">
+            <a:schemeClr val="accent1"/>
+          </a:fillRef>
+          <a:effectRef idx="0">
+            <a:schemeClr val="accent1"/>
+          </a:effectRef>
+          <a:fontRef idx="minor">
+            <a:schemeClr val="lt1"/>
+          </a:fontRef>
+        </p:style>
+        <p:txBody>
+          <a:bodyPr rtlCol="0" anchor="ctr"/>
+          <a:lstStyle/>
+          <a:p>
+            <a:pPr algn="ctr"/>
+            <a:endParaRPr kumimoji="1" lang="ja-JP" altLang="en-US"/>
+          </a:p>
+        </p:txBody>
+      </p:sp>
+      <p:sp>
+        <p:nvSpPr>
+          <p:cNvPr id="15" name="TextBox 14">
+            <a:extLst>
+              <a:ext uri="{FF2B5EF4-FFF2-40B4-BE49-F238E27FC236}">
+                <a16:creationId xmlns:a16="http://schemas.microsoft.com/office/drawing/2014/main" id="{83F5BE70-818F-42CF-5B5F-386CFF8922BB}"/>
+              </a:ext>
+            </a:extLst>
+          </p:cNvPr>
+          <p:cNvSpPr txBox="1"/>
+          <p:nvPr/>
+        </p:nvSpPr>
+        <p:spPr>
+          <a:xfrm>
+            <a:off x="6599478" y="4111601"/>
+            <a:ext cx="607859" cy="461665"/>
+          </a:xfrm>
+          <a:prstGeom prst="rect">
+            <a:avLst/>
+          </a:prstGeom>
+          <a:noFill/>
+        </p:spPr>
+        <p:txBody>
+          <a:bodyPr wrap="none" rtlCol="0">
+            <a:spAutoFit/>
+          </a:bodyPr>
+          <a:lstStyle>
+            <a:defPPr>
+              <a:defRPr lang="ja-JP"/>
+            </a:defPPr>
+            <a:lvl1pPr>
+              <a:defRPr sz="2400"/>
+            </a:lvl1pPr>
+          </a:lstStyle>
+          <a:p>
+            <a:r>
+              <a:rPr lang="ja-JP" altLang="en-US" dirty="0"/>
+              <a:t>🍎</a:t>
+            </a:r>
+          </a:p>
+        </p:txBody>
+      </p:sp>
+      <p:cxnSp>
+        <p:nvCxnSpPr>
+          <p:cNvPr id="16" name="Straight Arrow Connector 15">
+            <a:extLst>
+              <a:ext uri="{FF2B5EF4-FFF2-40B4-BE49-F238E27FC236}">
+                <a16:creationId xmlns:a16="http://schemas.microsoft.com/office/drawing/2014/main" id="{0599C5D9-74E8-389E-A21C-50E6DE3A21FF}"/>
+              </a:ext>
+            </a:extLst>
+          </p:cNvPr>
+          <p:cNvCxnSpPr>
+            <a:cxnSpLocks/>
+            <a:stCxn id="14" idx="4"/>
+          </p:cNvCxnSpPr>
+          <p:nvPr/>
+        </p:nvCxnSpPr>
+        <p:spPr>
+          <a:xfrm>
+            <a:off x="5293742" y="3632757"/>
+            <a:ext cx="1296926" cy="590519"/>
+          </a:xfrm>
+          <a:prstGeom prst="straightConnector1">
+            <a:avLst/>
+          </a:prstGeom>
+          <a:ln w="38100">
+            <a:solidFill>
+              <a:srgbClr val="7030A0"/>
+            </a:solidFill>
+            <a:tailEnd type="triangle" w="med" len="lg"/>
+          </a:ln>
+        </p:spPr>
+        <p:style>
+          <a:lnRef idx="2">
+            <a:schemeClr val="accent1"/>
+          </a:lnRef>
+          <a:fillRef idx="0">
+            <a:schemeClr val="accent1"/>
+          </a:fillRef>
+          <a:effectRef idx="1">
+            <a:schemeClr val="accent1"/>
+          </a:effectRef>
+          <a:fontRef idx="minor">
+            <a:schemeClr val="tx1"/>
+          </a:fontRef>
+        </p:style>
+      </p:cxnSp>
+      <p:cxnSp>
+        <p:nvCxnSpPr>
+          <p:cNvPr id="17" name="Straight Arrow Connector 16">
+            <a:extLst>
+              <a:ext uri="{FF2B5EF4-FFF2-40B4-BE49-F238E27FC236}">
+                <a16:creationId xmlns:a16="http://schemas.microsoft.com/office/drawing/2014/main" id="{4F9C823A-3E4B-7AF5-76B6-0CD2DFAAED90}"/>
+              </a:ext>
+            </a:extLst>
+          </p:cNvPr>
+          <p:cNvCxnSpPr>
+            <a:cxnSpLocks/>
+          </p:cNvCxnSpPr>
+          <p:nvPr/>
+        </p:nvCxnSpPr>
+        <p:spPr>
+          <a:xfrm>
+            <a:off x="6590669" y="3049644"/>
+            <a:ext cx="0" cy="1173631"/>
+          </a:xfrm>
+          <a:prstGeom prst="straightConnector1">
+            <a:avLst/>
+          </a:prstGeom>
+          <a:ln w="38100">
+            <a:solidFill>
+              <a:srgbClr val="00B0F0"/>
+            </a:solidFill>
+            <a:prstDash val="sysDot"/>
+            <a:tailEnd type="triangle" w="med" len="lg"/>
+          </a:ln>
+        </p:spPr>
+        <p:style>
+          <a:lnRef idx="2">
+            <a:schemeClr val="accent1"/>
+          </a:lnRef>
+          <a:fillRef idx="0">
+            <a:schemeClr val="accent1"/>
+          </a:fillRef>
+          <a:effectRef idx="1">
+            <a:schemeClr val="accent1"/>
+          </a:effectRef>
+          <a:fontRef idx="minor">
+            <a:schemeClr val="tx1"/>
+          </a:fontRef>
+        </p:style>
+      </p:cxnSp>
+      <p:cxnSp>
+        <p:nvCxnSpPr>
+          <p:cNvPr id="18" name="Straight Connector 17">
+            <a:extLst>
+              <a:ext uri="{FF2B5EF4-FFF2-40B4-BE49-F238E27FC236}">
+                <a16:creationId xmlns:a16="http://schemas.microsoft.com/office/drawing/2014/main" id="{27D35D76-CD53-BAF0-6279-FEF5A74A9C11}"/>
+              </a:ext>
+            </a:extLst>
+          </p:cNvPr>
+          <p:cNvCxnSpPr/>
+          <p:nvPr/>
+        </p:nvCxnSpPr>
+        <p:spPr>
+          <a:xfrm flipV="1">
+            <a:off x="6685212" y="3007123"/>
+            <a:ext cx="691906" cy="427842"/>
+          </a:xfrm>
+          <a:prstGeom prst="line">
+            <a:avLst/>
+          </a:prstGeom>
+          <a:ln w="6350">
+            <a:solidFill>
+              <a:srgbClr val="000000"/>
+            </a:solidFill>
+          </a:ln>
+        </p:spPr>
+        <p:style>
+          <a:lnRef idx="2">
+            <a:schemeClr val="accent1"/>
+          </a:lnRef>
+          <a:fillRef idx="0">
+            <a:schemeClr val="accent1"/>
+          </a:fillRef>
+          <a:effectRef idx="1">
+            <a:schemeClr val="accent1"/>
+          </a:effectRef>
+          <a:fontRef idx="minor">
+            <a:schemeClr val="tx1"/>
+          </a:fontRef>
+        </p:style>
+      </p:cxnSp>
+      <p:sp>
+        <p:nvSpPr>
+          <p:cNvPr id="19" name="TextBox 18">
+            <a:extLst>
+              <a:ext uri="{FF2B5EF4-FFF2-40B4-BE49-F238E27FC236}">
+                <a16:creationId xmlns:a16="http://schemas.microsoft.com/office/drawing/2014/main" id="{D1091662-5F69-F3B5-50B7-A9DECB0B2B21}"/>
+              </a:ext>
+            </a:extLst>
+          </p:cNvPr>
+          <p:cNvSpPr txBox="1"/>
+          <p:nvPr/>
+        </p:nvSpPr>
+        <p:spPr>
+          <a:xfrm>
+            <a:off x="7349071" y="2805156"/>
+            <a:ext cx="906017" cy="276999"/>
+          </a:xfrm>
+          <a:prstGeom prst="rect">
+            <a:avLst/>
+          </a:prstGeom>
+          <a:noFill/>
+        </p:spPr>
+        <p:txBody>
+          <a:bodyPr wrap="none" rtlCol="0">
+            <a:spAutoFit/>
+          </a:bodyPr>
+          <a:lstStyle>
+            <a:defPPr>
+              <a:defRPr lang="ja-JP"/>
+            </a:defPPr>
+            <a:lvl1pPr>
+              <a:defRPr b="1"/>
+            </a:lvl1pPr>
+          </a:lstStyle>
+          <a:p>
+            <a:r>
+              <a:rPr lang="en-US" altLang="ja-JP" sz="1200" dirty="0">
+                <a:latin typeface="Verdana" panose="020B0604030504040204" pitchFamily="34" charset="0"/>
+                <a:ea typeface="Verdana" panose="020B0604030504040204" pitchFamily="34" charset="0"/>
+              </a:rPr>
+              <a:t>Gravity?</a:t>
+            </a:r>
+            <a:endParaRPr lang="ja-JP" altLang="en-US" sz="1200" dirty="0">
+              <a:latin typeface="Verdana" panose="020B0604030504040204" pitchFamily="34" charset="0"/>
+            </a:endParaRPr>
+          </a:p>
+        </p:txBody>
+      </p:sp>
+      <p:cxnSp>
+        <p:nvCxnSpPr>
+          <p:cNvPr id="20" name="Straight Connector 19">
+            <a:extLst>
+              <a:ext uri="{FF2B5EF4-FFF2-40B4-BE49-F238E27FC236}">
+                <a16:creationId xmlns:a16="http://schemas.microsoft.com/office/drawing/2014/main" id="{390AD915-FCD1-FF7D-FC2A-604E62AE9A6B}"/>
+              </a:ext>
+            </a:extLst>
+          </p:cNvPr>
+          <p:cNvCxnSpPr>
+            <a:cxnSpLocks/>
+          </p:cNvCxnSpPr>
+          <p:nvPr/>
+        </p:nvCxnSpPr>
+        <p:spPr>
+          <a:xfrm flipV="1">
+            <a:off x="6934489" y="4026913"/>
+            <a:ext cx="288656" cy="196361"/>
+          </a:xfrm>
+          <a:prstGeom prst="line">
+            <a:avLst/>
+          </a:prstGeom>
+          <a:ln w="6350">
+            <a:solidFill>
+              <a:srgbClr val="000000"/>
+            </a:solidFill>
+          </a:ln>
+        </p:spPr>
+        <p:style>
+          <a:lnRef idx="2">
+            <a:schemeClr val="accent1"/>
+          </a:lnRef>
+          <a:fillRef idx="0">
+            <a:schemeClr val="accent1"/>
+          </a:fillRef>
+          <a:effectRef idx="1">
+            <a:schemeClr val="accent1"/>
+          </a:effectRef>
+          <a:fontRef idx="minor">
+            <a:schemeClr val="tx1"/>
+          </a:fontRef>
+        </p:style>
+      </p:cxnSp>
+      <p:sp>
+        <p:nvSpPr>
+          <p:cNvPr id="21" name="TextBox 20">
+            <a:extLst>
+              <a:ext uri="{FF2B5EF4-FFF2-40B4-BE49-F238E27FC236}">
+                <a16:creationId xmlns:a16="http://schemas.microsoft.com/office/drawing/2014/main" id="{4BD24FBA-A88E-CE9F-8749-80E4451E23BC}"/>
+              </a:ext>
+            </a:extLst>
+          </p:cNvPr>
+          <p:cNvSpPr txBox="1"/>
+          <p:nvPr/>
+        </p:nvSpPr>
+        <p:spPr>
+          <a:xfrm>
+            <a:off x="7223145" y="3742269"/>
+            <a:ext cx="1026243" cy="276999"/>
+          </a:xfrm>
+          <a:prstGeom prst="rect">
+            <a:avLst/>
+          </a:prstGeom>
+          <a:noFill/>
+        </p:spPr>
+        <p:txBody>
+          <a:bodyPr wrap="none" rtlCol="0">
+            <a:spAutoFit/>
+          </a:bodyPr>
+          <a:lstStyle>
+            <a:defPPr>
+              <a:defRPr lang="ja-JP"/>
+            </a:defPPr>
+            <a:lvl1pPr>
+              <a:defRPr sz="2400"/>
+            </a:lvl1pPr>
+          </a:lstStyle>
+          <a:p>
+            <a:r>
+              <a:rPr lang="en-US" altLang="ja-JP" sz="1200" b="1" dirty="0">
+                <a:latin typeface="Verdana" panose="020B0604030504040204" pitchFamily="34" charset="0"/>
+                <a:ea typeface="Verdana" panose="020B0604030504040204" pitchFamily="34" charset="0"/>
+              </a:rPr>
+              <a:t>has fallen</a:t>
+            </a:r>
+            <a:endParaRPr lang="ja-JP" altLang="en-US" sz="1200" b="1" dirty="0">
+              <a:latin typeface="Verdana" panose="020B0604030504040204" pitchFamily="34" charset="0"/>
+            </a:endParaRPr>
+          </a:p>
+        </p:txBody>
+      </p:sp>
+      <p:sp>
+        <p:nvSpPr>
+          <p:cNvPr id="22" name="TextBox 21">
+            <a:extLst>
+              <a:ext uri="{FF2B5EF4-FFF2-40B4-BE49-F238E27FC236}">
+                <a16:creationId xmlns:a16="http://schemas.microsoft.com/office/drawing/2014/main" id="{0F28A6AF-2061-EA46-C1F6-0DC071B34BE4}"/>
+              </a:ext>
+            </a:extLst>
+          </p:cNvPr>
+          <p:cNvSpPr txBox="1"/>
+          <p:nvPr/>
+        </p:nvSpPr>
+        <p:spPr>
+          <a:xfrm>
+            <a:off x="2603291" y="1673483"/>
+            <a:ext cx="1164101" cy="307777"/>
+          </a:xfrm>
+          <a:prstGeom prst="rect">
+            <a:avLst/>
+          </a:prstGeom>
+          <a:noFill/>
+        </p:spPr>
+        <p:txBody>
+          <a:bodyPr wrap="none" rtlCol="0">
+            <a:spAutoFit/>
+          </a:bodyPr>
+          <a:lstStyle/>
+          <a:p>
+            <a:r>
+              <a:rPr lang="en-US" altLang="ja-JP" sz="1400" b="1" dirty="0">
+                <a:latin typeface="Verdana" panose="020B0604030504040204" pitchFamily="34" charset="0"/>
+                <a:ea typeface="Verdana" panose="020B0604030504040204" pitchFamily="34" charset="0"/>
+              </a:rPr>
+              <a:t>Induction</a:t>
+            </a:r>
+          </a:p>
+        </p:txBody>
+      </p:sp>
+    </p:spTree>
+    <p:extLst>
+      <p:ext uri="{BB962C8B-B14F-4D97-AF65-F5344CB8AC3E}">
+        <p14:creationId xmlns:p14="http://schemas.microsoft.com/office/powerpoint/2010/main" val="163518636"/>
+      </p:ext>
+    </p:extLst>
+  </p:cSld>
+  <p:clrMapOvr>
+    <a:masterClrMapping/>
+  </p:clrMapOvr>
+</p:sld>
+</file>
+
+<file path=ppt/slides/slide9.xml><?xml version="1.0" encoding="utf-8"?>
+<p:sld xmlns:a="http://schemas.openxmlformats.org/drawingml/2006/main" xmlns:r="http://schemas.openxmlformats.org/officeDocument/2006/relationships" xmlns:p="http://schemas.openxmlformats.org/presentationml/2006/main">
+  <p:cSld>
+    <p:spTree>
+      <p:nvGrpSpPr>
         <p:cNvPr id="1" name="">
           <a:extLst>
             <a:ext uri="{FF2B5EF4-FFF2-40B4-BE49-F238E27FC236}">
@@ -32575,1258 +34960,6 @@
     <p:extLst>
       <p:ext uri="{BB962C8B-B14F-4D97-AF65-F5344CB8AC3E}">
         <p14:creationId xmlns:p14="http://schemas.microsoft.com/office/powerpoint/2010/main" val="1539860858"/>
-      </p:ext>
-    </p:extLst>
-  </p:cSld>
-  <p:clrMapOvr>
-    <a:masterClrMapping/>
-  </p:clrMapOvr>
-</p:sld>
-</file>
-
-<file path=ppt/slides/slide9.xml><?xml version="1.0" encoding="utf-8"?>
-<p:sld xmlns:a="http://schemas.openxmlformats.org/drawingml/2006/main" xmlns:r="http://schemas.openxmlformats.org/officeDocument/2006/relationships" xmlns:p="http://schemas.openxmlformats.org/presentationml/2006/main">
-  <p:cSld>
-    <p:spTree>
-      <p:nvGrpSpPr>
-        <p:cNvPr id="1" name="">
-          <a:extLst>
-            <a:ext uri="{FF2B5EF4-FFF2-40B4-BE49-F238E27FC236}">
-              <a16:creationId xmlns:a16="http://schemas.microsoft.com/office/drawing/2014/main" id="{94EC043A-D737-5003-9A2F-D8CDCBA2FD55}"/>
-            </a:ext>
-          </a:extLst>
-        </p:cNvPr>
-        <p:cNvGrpSpPr/>
-        <p:nvPr/>
-      </p:nvGrpSpPr>
-      <p:grpSpPr>
-        <a:xfrm>
-          <a:off x="0" y="0"/>
-          <a:ext cx="0" cy="0"/>
-          <a:chOff x="0" y="0"/>
-          <a:chExt cx="0" cy="0"/>
-        </a:xfrm>
-      </p:grpSpPr>
-      <p:cxnSp>
-        <p:nvCxnSpPr>
-          <p:cNvPr id="68" name="Straight Arrow Connector 67">
-            <a:extLst>
-              <a:ext uri="{FF2B5EF4-FFF2-40B4-BE49-F238E27FC236}">
-                <a16:creationId xmlns:a16="http://schemas.microsoft.com/office/drawing/2014/main" id="{EE82A463-88D9-B065-4F23-4041711A24BC}"/>
-              </a:ext>
-            </a:extLst>
-          </p:cNvPr>
-          <p:cNvCxnSpPr>
-            <a:cxnSpLocks/>
-          </p:cNvCxnSpPr>
-          <p:nvPr/>
-        </p:nvCxnSpPr>
-        <p:spPr>
-          <a:xfrm>
-            <a:off x="5027896" y="3647592"/>
-            <a:ext cx="2558305" cy="0"/>
-          </a:xfrm>
-          <a:prstGeom prst="straightConnector1">
-            <a:avLst/>
-          </a:prstGeom>
-          <a:ln>
-            <a:solidFill>
-              <a:srgbClr val="000000"/>
-            </a:solidFill>
-            <a:tailEnd type="triangle"/>
-          </a:ln>
-        </p:spPr>
-        <p:style>
-          <a:lnRef idx="2">
-            <a:schemeClr val="accent1"/>
-          </a:lnRef>
-          <a:fillRef idx="0">
-            <a:schemeClr val="accent1"/>
-          </a:fillRef>
-          <a:effectRef idx="1">
-            <a:schemeClr val="accent1"/>
-          </a:effectRef>
-          <a:fontRef idx="minor">
-            <a:schemeClr val="tx1"/>
-          </a:fontRef>
-        </p:style>
-      </p:cxnSp>
-      <p:cxnSp>
-        <p:nvCxnSpPr>
-          <p:cNvPr id="69" name="Straight Arrow Connector 68">
-            <a:extLst>
-              <a:ext uri="{FF2B5EF4-FFF2-40B4-BE49-F238E27FC236}">
-                <a16:creationId xmlns:a16="http://schemas.microsoft.com/office/drawing/2014/main" id="{088D5EDF-67DE-4568-497F-A475CDD4A89F}"/>
-              </a:ext>
-            </a:extLst>
-          </p:cNvPr>
-          <p:cNvCxnSpPr>
-            <a:cxnSpLocks/>
-          </p:cNvCxnSpPr>
-          <p:nvPr/>
-        </p:nvCxnSpPr>
-        <p:spPr>
-          <a:xfrm rot="16200000">
-            <a:off x="4273843" y="2861377"/>
-            <a:ext cx="2558305" cy="0"/>
-          </a:xfrm>
-          <a:prstGeom prst="straightConnector1">
-            <a:avLst/>
-          </a:prstGeom>
-          <a:ln>
-            <a:solidFill>
-              <a:srgbClr val="000000"/>
-            </a:solidFill>
-            <a:tailEnd type="triangle"/>
-          </a:ln>
-        </p:spPr>
-        <p:style>
-          <a:lnRef idx="2">
-            <a:schemeClr val="accent1"/>
-          </a:lnRef>
-          <a:fillRef idx="0">
-            <a:schemeClr val="accent1"/>
-          </a:fillRef>
-          <a:effectRef idx="1">
-            <a:schemeClr val="accent1"/>
-          </a:effectRef>
-          <a:fontRef idx="minor">
-            <a:schemeClr val="tx1"/>
-          </a:fontRef>
-        </p:style>
-      </p:cxnSp>
-      <p:sp>
-        <p:nvSpPr>
-          <p:cNvPr id="72" name="Oval 71">
-            <a:extLst>
-              <a:ext uri="{FF2B5EF4-FFF2-40B4-BE49-F238E27FC236}">
-                <a16:creationId xmlns:a16="http://schemas.microsoft.com/office/drawing/2014/main" id="{B07CCB99-D92A-853F-3234-F742EC667305}"/>
-              </a:ext>
-            </a:extLst>
-          </p:cNvPr>
-          <p:cNvSpPr/>
-          <p:nvPr/>
-        </p:nvSpPr>
-        <p:spPr>
-          <a:xfrm>
-            <a:off x="5552995" y="3622009"/>
-            <a:ext cx="25583" cy="25583"/>
-          </a:xfrm>
-          <a:prstGeom prst="ellipse">
-            <a:avLst/>
-          </a:prstGeom>
-          <a:solidFill>
-            <a:srgbClr val="000000"/>
-          </a:solidFill>
-          <a:ln>
-            <a:noFill/>
-          </a:ln>
-        </p:spPr>
-        <p:style>
-          <a:lnRef idx="2">
-            <a:schemeClr val="accent1">
-              <a:shade val="15000"/>
-            </a:schemeClr>
-          </a:lnRef>
-          <a:fillRef idx="1">
-            <a:schemeClr val="accent1"/>
-          </a:fillRef>
-          <a:effectRef idx="0">
-            <a:schemeClr val="accent1"/>
-          </a:effectRef>
-          <a:fontRef idx="minor">
-            <a:schemeClr val="lt1"/>
-          </a:fontRef>
-        </p:style>
-        <p:txBody>
-          <a:bodyPr rtlCol="0" anchor="ctr"/>
-          <a:lstStyle/>
-          <a:p>
-            <a:pPr algn="ctr"/>
-            <a:endParaRPr kumimoji="1" lang="ja-JP" altLang="en-US"/>
-          </a:p>
-        </p:txBody>
-      </p:sp>
-      <p:cxnSp>
-        <p:nvCxnSpPr>
-          <p:cNvPr id="73" name="Straight Connector 72">
-            <a:extLst>
-              <a:ext uri="{FF2B5EF4-FFF2-40B4-BE49-F238E27FC236}">
-                <a16:creationId xmlns:a16="http://schemas.microsoft.com/office/drawing/2014/main" id="{0A2A5862-DF3E-F3E6-1194-DCC54B150E02}"/>
-              </a:ext>
-            </a:extLst>
-          </p:cNvPr>
-          <p:cNvCxnSpPr>
-            <a:cxnSpLocks/>
-          </p:cNvCxnSpPr>
-          <p:nvPr/>
-        </p:nvCxnSpPr>
-        <p:spPr>
-          <a:xfrm flipV="1">
-            <a:off x="5309925" y="2456931"/>
-            <a:ext cx="1196320" cy="906019"/>
-          </a:xfrm>
-          <a:prstGeom prst="line">
-            <a:avLst/>
-          </a:prstGeom>
-          <a:ln w="6350">
-            <a:solidFill>
-              <a:srgbClr val="000000"/>
-            </a:solidFill>
-            <a:prstDash val="dash"/>
-          </a:ln>
-        </p:spPr>
-        <p:style>
-          <a:lnRef idx="2">
-            <a:schemeClr val="accent1"/>
-          </a:lnRef>
-          <a:fillRef idx="0">
-            <a:schemeClr val="accent1"/>
-          </a:fillRef>
-          <a:effectRef idx="1">
-            <a:schemeClr val="accent1"/>
-          </a:effectRef>
-          <a:fontRef idx="minor">
-            <a:schemeClr val="tx1"/>
-          </a:fontRef>
-        </p:style>
-      </p:cxnSp>
-      <p:cxnSp>
-        <p:nvCxnSpPr>
-          <p:cNvPr id="74" name="Straight Connector 73">
-            <a:extLst>
-              <a:ext uri="{FF2B5EF4-FFF2-40B4-BE49-F238E27FC236}">
-                <a16:creationId xmlns:a16="http://schemas.microsoft.com/office/drawing/2014/main" id="{C228BB29-34C3-B42A-2C3E-D7C4EEA285B0}"/>
-              </a:ext>
-            </a:extLst>
-          </p:cNvPr>
-          <p:cNvCxnSpPr>
-            <a:cxnSpLocks/>
-          </p:cNvCxnSpPr>
-          <p:nvPr/>
-        </p:nvCxnSpPr>
-        <p:spPr>
-          <a:xfrm>
-            <a:off x="5212757" y="3193382"/>
-            <a:ext cx="674998" cy="891274"/>
-          </a:xfrm>
-          <a:prstGeom prst="line">
-            <a:avLst/>
-          </a:prstGeom>
-          <a:ln w="6350">
-            <a:solidFill>
-              <a:srgbClr val="000000"/>
-            </a:solidFill>
-            <a:prstDash val="dash"/>
-          </a:ln>
-        </p:spPr>
-        <p:style>
-          <a:lnRef idx="2">
-            <a:schemeClr val="accent1"/>
-          </a:lnRef>
-          <a:fillRef idx="0">
-            <a:schemeClr val="accent1"/>
-          </a:fillRef>
-          <a:effectRef idx="1">
-            <a:schemeClr val="accent1"/>
-          </a:effectRef>
-          <a:fontRef idx="minor">
-            <a:schemeClr val="tx1"/>
-          </a:fontRef>
-        </p:style>
-      </p:cxnSp>
-      <p:cxnSp>
-        <p:nvCxnSpPr>
-          <p:cNvPr id="75" name="Straight Connector 74">
-            <a:extLst>
-              <a:ext uri="{FF2B5EF4-FFF2-40B4-BE49-F238E27FC236}">
-                <a16:creationId xmlns:a16="http://schemas.microsoft.com/office/drawing/2014/main" id="{02DFED42-EAAA-817A-0FAD-DC83DC1DB605}"/>
-              </a:ext>
-            </a:extLst>
-          </p:cNvPr>
-          <p:cNvCxnSpPr>
-            <a:cxnSpLocks/>
-          </p:cNvCxnSpPr>
-          <p:nvPr/>
-        </p:nvCxnSpPr>
-        <p:spPr>
-          <a:xfrm flipV="1">
-            <a:off x="5819446" y="2756446"/>
-            <a:ext cx="1624779" cy="1230507"/>
-          </a:xfrm>
-          <a:prstGeom prst="line">
-            <a:avLst/>
-          </a:prstGeom>
-          <a:ln w="6350">
-            <a:solidFill>
-              <a:srgbClr val="000000"/>
-            </a:solidFill>
-            <a:prstDash val="dash"/>
-          </a:ln>
-        </p:spPr>
-        <p:style>
-          <a:lnRef idx="2">
-            <a:schemeClr val="accent1"/>
-          </a:lnRef>
-          <a:fillRef idx="0">
-            <a:schemeClr val="accent1"/>
-          </a:fillRef>
-          <a:effectRef idx="1">
-            <a:schemeClr val="accent1"/>
-          </a:effectRef>
-          <a:fontRef idx="minor">
-            <a:schemeClr val="tx1"/>
-          </a:fontRef>
-        </p:style>
-      </p:cxnSp>
-      <p:sp>
-        <p:nvSpPr>
-          <p:cNvPr id="76" name="TextBox 75">
-            <a:extLst>
-              <a:ext uri="{FF2B5EF4-FFF2-40B4-BE49-F238E27FC236}">
-                <a16:creationId xmlns:a16="http://schemas.microsoft.com/office/drawing/2014/main" id="{75723CA5-E06D-20FF-5FCA-937C7055D990}"/>
-              </a:ext>
-            </a:extLst>
-          </p:cNvPr>
-          <p:cNvSpPr txBox="1"/>
-          <p:nvPr/>
-        </p:nvSpPr>
-        <p:spPr>
-          <a:xfrm>
-            <a:off x="5870024" y="3907633"/>
-            <a:ext cx="607859" cy="461665"/>
-          </a:xfrm>
-          <a:prstGeom prst="rect">
-            <a:avLst/>
-          </a:prstGeom>
-          <a:noFill/>
-        </p:spPr>
-        <p:txBody>
-          <a:bodyPr wrap="none" rtlCol="0">
-            <a:spAutoFit/>
-          </a:bodyPr>
-          <a:lstStyle>
-            <a:defPPr>
-              <a:defRPr lang="ja-JP"/>
-            </a:defPPr>
-            <a:lvl1pPr>
-              <a:defRPr sz="2400"/>
-            </a:lvl1pPr>
-          </a:lstStyle>
-          <a:p>
-            <a:r>
-              <a:rPr lang="ja-JP" altLang="en-US" dirty="0"/>
-              <a:t>🍎</a:t>
-            </a:r>
-          </a:p>
-        </p:txBody>
-      </p:sp>
-      <p:sp>
-        <p:nvSpPr>
-          <p:cNvPr id="77" name="TextBox 76">
-            <a:extLst>
-              <a:ext uri="{FF2B5EF4-FFF2-40B4-BE49-F238E27FC236}">
-                <a16:creationId xmlns:a16="http://schemas.microsoft.com/office/drawing/2014/main" id="{22123273-F21F-369C-1D5E-1C5611E5C806}"/>
-              </a:ext>
-            </a:extLst>
-          </p:cNvPr>
-          <p:cNvSpPr txBox="1"/>
-          <p:nvPr/>
-        </p:nvSpPr>
-        <p:spPr>
-          <a:xfrm>
-            <a:off x="4908827" y="2746684"/>
-            <a:ext cx="607859" cy="461665"/>
-          </a:xfrm>
-          <a:prstGeom prst="rect">
-            <a:avLst/>
-          </a:prstGeom>
-          <a:noFill/>
-        </p:spPr>
-        <p:txBody>
-          <a:bodyPr wrap="none" rtlCol="0">
-            <a:spAutoFit/>
-          </a:bodyPr>
-          <a:lstStyle>
-            <a:defPPr>
-              <a:defRPr lang="ja-JP"/>
-            </a:defPPr>
-            <a:lvl1pPr>
-              <a:defRPr sz="2400"/>
-            </a:lvl1pPr>
-          </a:lstStyle>
-          <a:p>
-            <a:r>
-              <a:rPr lang="ja-JP" altLang="en-US" dirty="0"/>
-              <a:t>🍊</a:t>
-            </a:r>
-          </a:p>
-        </p:txBody>
-      </p:sp>
-      <p:cxnSp>
-        <p:nvCxnSpPr>
-          <p:cNvPr id="7" name="Straight Arrow Connector 6">
-            <a:extLst>
-              <a:ext uri="{FF2B5EF4-FFF2-40B4-BE49-F238E27FC236}">
-                <a16:creationId xmlns:a16="http://schemas.microsoft.com/office/drawing/2014/main" id="{7B03489B-DBCD-1D00-15AC-52D9EC945B55}"/>
-              </a:ext>
-            </a:extLst>
-          </p:cNvPr>
-          <p:cNvCxnSpPr>
-            <a:cxnSpLocks/>
-          </p:cNvCxnSpPr>
-          <p:nvPr/>
-        </p:nvCxnSpPr>
-        <p:spPr>
-          <a:xfrm>
-            <a:off x="687702" y="3647592"/>
-            <a:ext cx="2558305" cy="0"/>
-          </a:xfrm>
-          <a:prstGeom prst="straightConnector1">
-            <a:avLst/>
-          </a:prstGeom>
-          <a:ln>
-            <a:solidFill>
-              <a:srgbClr val="000000"/>
-            </a:solidFill>
-            <a:tailEnd type="triangle"/>
-          </a:ln>
-        </p:spPr>
-        <p:style>
-          <a:lnRef idx="2">
-            <a:schemeClr val="accent1"/>
-          </a:lnRef>
-          <a:fillRef idx="0">
-            <a:schemeClr val="accent1"/>
-          </a:fillRef>
-          <a:effectRef idx="1">
-            <a:schemeClr val="accent1"/>
-          </a:effectRef>
-          <a:fontRef idx="minor">
-            <a:schemeClr val="tx1"/>
-          </a:fontRef>
-        </p:style>
-      </p:cxnSp>
-      <p:cxnSp>
-        <p:nvCxnSpPr>
-          <p:cNvPr id="11" name="Straight Arrow Connector 10">
-            <a:extLst>
-              <a:ext uri="{FF2B5EF4-FFF2-40B4-BE49-F238E27FC236}">
-                <a16:creationId xmlns:a16="http://schemas.microsoft.com/office/drawing/2014/main" id="{14A647CD-80F4-FDBF-742B-1D3A29332F74}"/>
-              </a:ext>
-            </a:extLst>
-          </p:cNvPr>
-          <p:cNvCxnSpPr>
-            <a:cxnSpLocks/>
-          </p:cNvCxnSpPr>
-          <p:nvPr/>
-        </p:nvCxnSpPr>
-        <p:spPr>
-          <a:xfrm rot="16200000">
-            <a:off x="-66351" y="2861377"/>
-            <a:ext cx="2558305" cy="0"/>
-          </a:xfrm>
-          <a:prstGeom prst="straightConnector1">
-            <a:avLst/>
-          </a:prstGeom>
-          <a:ln>
-            <a:solidFill>
-              <a:srgbClr val="000000"/>
-            </a:solidFill>
-            <a:tailEnd type="triangle"/>
-          </a:ln>
-        </p:spPr>
-        <p:style>
-          <a:lnRef idx="2">
-            <a:schemeClr val="accent1"/>
-          </a:lnRef>
-          <a:fillRef idx="0">
-            <a:schemeClr val="accent1"/>
-          </a:fillRef>
-          <a:effectRef idx="1">
-            <a:schemeClr val="accent1"/>
-          </a:effectRef>
-          <a:fontRef idx="minor">
-            <a:schemeClr val="tx1"/>
-          </a:fontRef>
-        </p:style>
-      </p:cxnSp>
-      <p:cxnSp>
-        <p:nvCxnSpPr>
-          <p:cNvPr id="13" name="Straight Arrow Connector 12">
-            <a:extLst>
-              <a:ext uri="{FF2B5EF4-FFF2-40B4-BE49-F238E27FC236}">
-                <a16:creationId xmlns:a16="http://schemas.microsoft.com/office/drawing/2014/main" id="{96590F8E-B417-2898-40D3-5675C355E935}"/>
-              </a:ext>
-            </a:extLst>
-          </p:cNvPr>
-          <p:cNvCxnSpPr>
-            <a:cxnSpLocks/>
-          </p:cNvCxnSpPr>
-          <p:nvPr/>
-        </p:nvCxnSpPr>
-        <p:spPr>
-          <a:xfrm flipV="1">
-            <a:off x="1212801" y="2739172"/>
-            <a:ext cx="1912399" cy="908420"/>
-          </a:xfrm>
-          <a:prstGeom prst="straightConnector1">
-            <a:avLst/>
-          </a:prstGeom>
-          <a:ln w="38100">
-            <a:solidFill>
-              <a:srgbClr val="EE0000"/>
-            </a:solidFill>
-            <a:tailEnd type="triangle" w="med" len="lg"/>
-          </a:ln>
-        </p:spPr>
-        <p:style>
-          <a:lnRef idx="2">
-            <a:schemeClr val="accent1"/>
-          </a:lnRef>
-          <a:fillRef idx="0">
-            <a:schemeClr val="accent1"/>
-          </a:fillRef>
-          <a:effectRef idx="1">
-            <a:schemeClr val="accent1"/>
-          </a:effectRef>
-          <a:fontRef idx="minor">
-            <a:schemeClr val="tx1"/>
-          </a:fontRef>
-        </p:style>
-      </p:cxnSp>
-      <p:cxnSp>
-        <p:nvCxnSpPr>
-          <p:cNvPr id="14" name="Straight Arrow Connector 13">
-            <a:extLst>
-              <a:ext uri="{FF2B5EF4-FFF2-40B4-BE49-F238E27FC236}">
-                <a16:creationId xmlns:a16="http://schemas.microsoft.com/office/drawing/2014/main" id="{A14B3030-C4D4-55EF-1ACB-970F51655424}"/>
-              </a:ext>
-            </a:extLst>
-          </p:cNvPr>
-          <p:cNvCxnSpPr>
-            <a:cxnSpLocks/>
-          </p:cNvCxnSpPr>
-          <p:nvPr/>
-        </p:nvCxnSpPr>
-        <p:spPr>
-          <a:xfrm flipV="1">
-            <a:off x="1212801" y="2439657"/>
-            <a:ext cx="973786" cy="1207935"/>
-          </a:xfrm>
-          <a:prstGeom prst="straightConnector1">
-            <a:avLst/>
-          </a:prstGeom>
-          <a:ln w="38100">
-            <a:solidFill>
-              <a:srgbClr val="FFC000"/>
-            </a:solidFill>
-            <a:tailEnd type="triangle" w="med" len="lg"/>
-          </a:ln>
-        </p:spPr>
-        <p:style>
-          <a:lnRef idx="2">
-            <a:schemeClr val="accent1"/>
-          </a:lnRef>
-          <a:fillRef idx="0">
-            <a:schemeClr val="accent1"/>
-          </a:fillRef>
-          <a:effectRef idx="1">
-            <a:schemeClr val="accent1"/>
-          </a:effectRef>
-          <a:fontRef idx="minor">
-            <a:schemeClr val="tx1"/>
-          </a:fontRef>
-        </p:style>
-      </p:cxnSp>
-      <p:sp>
-        <p:nvSpPr>
-          <p:cNvPr id="16" name="Oval 15">
-            <a:extLst>
-              <a:ext uri="{FF2B5EF4-FFF2-40B4-BE49-F238E27FC236}">
-                <a16:creationId xmlns:a16="http://schemas.microsoft.com/office/drawing/2014/main" id="{14AB4FE1-0D99-DFE7-1D5A-DE67D876541C}"/>
-              </a:ext>
-            </a:extLst>
-          </p:cNvPr>
-          <p:cNvSpPr/>
-          <p:nvPr/>
-        </p:nvSpPr>
-        <p:spPr>
-          <a:xfrm>
-            <a:off x="1212801" y="3622009"/>
-            <a:ext cx="25583" cy="25583"/>
-          </a:xfrm>
-          <a:prstGeom prst="ellipse">
-            <a:avLst/>
-          </a:prstGeom>
-          <a:solidFill>
-            <a:srgbClr val="000000"/>
-          </a:solidFill>
-          <a:ln>
-            <a:noFill/>
-          </a:ln>
-        </p:spPr>
-        <p:style>
-          <a:lnRef idx="2">
-            <a:schemeClr val="accent1">
-              <a:shade val="15000"/>
-            </a:schemeClr>
-          </a:lnRef>
-          <a:fillRef idx="1">
-            <a:schemeClr val="accent1"/>
-          </a:fillRef>
-          <a:effectRef idx="0">
-            <a:schemeClr val="accent1"/>
-          </a:effectRef>
-          <a:fontRef idx="minor">
-            <a:schemeClr val="lt1"/>
-          </a:fontRef>
-        </p:style>
-        <p:txBody>
-          <a:bodyPr rtlCol="0" anchor="ctr"/>
-          <a:lstStyle/>
-          <a:p>
-            <a:pPr algn="ctr"/>
-            <a:endParaRPr kumimoji="1" lang="ja-JP" altLang="en-US"/>
-          </a:p>
-        </p:txBody>
-      </p:sp>
-      <p:cxnSp>
-        <p:nvCxnSpPr>
-          <p:cNvPr id="3" name="Straight Connector 2">
-            <a:extLst>
-              <a:ext uri="{FF2B5EF4-FFF2-40B4-BE49-F238E27FC236}">
-                <a16:creationId xmlns:a16="http://schemas.microsoft.com/office/drawing/2014/main" id="{5EC7C66D-C21A-D6FE-4132-F116B5D521BA}"/>
-              </a:ext>
-            </a:extLst>
-          </p:cNvPr>
-          <p:cNvCxnSpPr>
-            <a:cxnSpLocks/>
-          </p:cNvCxnSpPr>
-          <p:nvPr/>
-        </p:nvCxnSpPr>
-        <p:spPr>
-          <a:xfrm flipV="1">
-            <a:off x="969731" y="2456931"/>
-            <a:ext cx="1196320" cy="906019"/>
-          </a:xfrm>
-          <a:prstGeom prst="line">
-            <a:avLst/>
-          </a:prstGeom>
-          <a:ln w="6350">
-            <a:solidFill>
-              <a:srgbClr val="000000"/>
-            </a:solidFill>
-            <a:prstDash val="dash"/>
-          </a:ln>
-        </p:spPr>
-        <p:style>
-          <a:lnRef idx="2">
-            <a:schemeClr val="accent1"/>
-          </a:lnRef>
-          <a:fillRef idx="0">
-            <a:schemeClr val="accent1"/>
-          </a:fillRef>
-          <a:effectRef idx="1">
-            <a:schemeClr val="accent1"/>
-          </a:effectRef>
-          <a:fontRef idx="minor">
-            <a:schemeClr val="tx1"/>
-          </a:fontRef>
-        </p:style>
-      </p:cxnSp>
-      <p:cxnSp>
-        <p:nvCxnSpPr>
-          <p:cNvPr id="15" name="Straight Connector 14">
-            <a:extLst>
-              <a:ext uri="{FF2B5EF4-FFF2-40B4-BE49-F238E27FC236}">
-                <a16:creationId xmlns:a16="http://schemas.microsoft.com/office/drawing/2014/main" id="{35EB00D5-33CE-FC2A-F6CA-D110121BE540}"/>
-              </a:ext>
-            </a:extLst>
-          </p:cNvPr>
-          <p:cNvCxnSpPr>
-            <a:cxnSpLocks/>
-          </p:cNvCxnSpPr>
-          <p:nvPr/>
-        </p:nvCxnSpPr>
-        <p:spPr>
-          <a:xfrm>
-            <a:off x="872563" y="3193382"/>
-            <a:ext cx="674998" cy="891274"/>
-          </a:xfrm>
-          <a:prstGeom prst="line">
-            <a:avLst/>
-          </a:prstGeom>
-          <a:ln w="6350">
-            <a:solidFill>
-              <a:srgbClr val="000000"/>
-            </a:solidFill>
-            <a:prstDash val="dash"/>
-          </a:ln>
-        </p:spPr>
-        <p:style>
-          <a:lnRef idx="2">
-            <a:schemeClr val="accent1"/>
-          </a:lnRef>
-          <a:fillRef idx="0">
-            <a:schemeClr val="accent1"/>
-          </a:fillRef>
-          <a:effectRef idx="1">
-            <a:schemeClr val="accent1"/>
-          </a:effectRef>
-          <a:fontRef idx="minor">
-            <a:schemeClr val="tx1"/>
-          </a:fontRef>
-        </p:style>
-      </p:cxnSp>
-      <p:cxnSp>
-        <p:nvCxnSpPr>
-          <p:cNvPr id="25" name="Straight Connector 24">
-            <a:extLst>
-              <a:ext uri="{FF2B5EF4-FFF2-40B4-BE49-F238E27FC236}">
-                <a16:creationId xmlns:a16="http://schemas.microsoft.com/office/drawing/2014/main" id="{834FD972-ED37-7C23-6527-D3A86A54EE8C}"/>
-              </a:ext>
-            </a:extLst>
-          </p:cNvPr>
-          <p:cNvCxnSpPr>
-            <a:cxnSpLocks/>
-          </p:cNvCxnSpPr>
-          <p:nvPr/>
-        </p:nvCxnSpPr>
-        <p:spPr>
-          <a:xfrm flipV="1">
-            <a:off x="1479252" y="2756446"/>
-            <a:ext cx="1624779" cy="1230507"/>
-          </a:xfrm>
-          <a:prstGeom prst="line">
-            <a:avLst/>
-          </a:prstGeom>
-          <a:ln w="6350">
-            <a:solidFill>
-              <a:srgbClr val="000000"/>
-            </a:solidFill>
-            <a:prstDash val="dash"/>
-          </a:ln>
-        </p:spPr>
-        <p:style>
-          <a:lnRef idx="2">
-            <a:schemeClr val="accent1"/>
-          </a:lnRef>
-          <a:fillRef idx="0">
-            <a:schemeClr val="accent1"/>
-          </a:fillRef>
-          <a:effectRef idx="1">
-            <a:schemeClr val="accent1"/>
-          </a:effectRef>
-          <a:fontRef idx="minor">
-            <a:schemeClr val="tx1"/>
-          </a:fontRef>
-        </p:style>
-      </p:cxnSp>
-      <p:sp>
-        <p:nvSpPr>
-          <p:cNvPr id="65" name="TextBox 64">
-            <a:extLst>
-              <a:ext uri="{FF2B5EF4-FFF2-40B4-BE49-F238E27FC236}">
-                <a16:creationId xmlns:a16="http://schemas.microsoft.com/office/drawing/2014/main" id="{CB59B259-3B47-E83C-792A-40017A095844}"/>
-              </a:ext>
-            </a:extLst>
-          </p:cNvPr>
-          <p:cNvSpPr txBox="1"/>
-          <p:nvPr/>
-        </p:nvSpPr>
-        <p:spPr>
-          <a:xfrm>
-            <a:off x="2068440" y="2111579"/>
-            <a:ext cx="607859" cy="461665"/>
-          </a:xfrm>
-          <a:prstGeom prst="rect">
-            <a:avLst/>
-          </a:prstGeom>
-          <a:noFill/>
-        </p:spPr>
-        <p:txBody>
-          <a:bodyPr wrap="none" rtlCol="0">
-            <a:spAutoFit/>
-          </a:bodyPr>
-          <a:lstStyle>
-            <a:defPPr>
-              <a:defRPr lang="ja-JP"/>
-            </a:defPPr>
-            <a:lvl1pPr>
-              <a:defRPr sz="2400"/>
-            </a:lvl1pPr>
-          </a:lstStyle>
-          <a:p>
-            <a:r>
-              <a:rPr lang="ja-JP" altLang="en-US" dirty="0"/>
-              <a:t>🍊</a:t>
-            </a:r>
-          </a:p>
-        </p:txBody>
-      </p:sp>
-      <p:cxnSp>
-        <p:nvCxnSpPr>
-          <p:cNvPr id="78" name="Straight Connector 77">
-            <a:extLst>
-              <a:ext uri="{FF2B5EF4-FFF2-40B4-BE49-F238E27FC236}">
-                <a16:creationId xmlns:a16="http://schemas.microsoft.com/office/drawing/2014/main" id="{0130AA32-FD2E-EB32-64AC-6527CA1BDDFE}"/>
-              </a:ext>
-            </a:extLst>
-          </p:cNvPr>
-          <p:cNvCxnSpPr>
-            <a:cxnSpLocks/>
-          </p:cNvCxnSpPr>
-          <p:nvPr/>
-        </p:nvCxnSpPr>
-        <p:spPr>
-          <a:xfrm flipH="1" flipV="1">
-            <a:off x="5299233" y="3307080"/>
-            <a:ext cx="262558" cy="346684"/>
-          </a:xfrm>
-          <a:prstGeom prst="line">
-            <a:avLst/>
-          </a:prstGeom>
-          <a:ln w="38100">
-            <a:solidFill>
-              <a:srgbClr val="FFC000"/>
-            </a:solidFill>
-            <a:tailEnd type="triangle" w="med" len="lg"/>
-          </a:ln>
-        </p:spPr>
-        <p:style>
-          <a:lnRef idx="2">
-            <a:schemeClr val="accent1"/>
-          </a:lnRef>
-          <a:fillRef idx="0">
-            <a:schemeClr val="accent1"/>
-          </a:fillRef>
-          <a:effectRef idx="1">
-            <a:schemeClr val="accent1"/>
-          </a:effectRef>
-          <a:fontRef idx="minor">
-            <a:schemeClr val="tx1"/>
-          </a:fontRef>
-        </p:style>
-      </p:cxnSp>
-      <p:cxnSp>
-        <p:nvCxnSpPr>
-          <p:cNvPr id="79" name="Straight Connector 78">
-            <a:extLst>
-              <a:ext uri="{FF2B5EF4-FFF2-40B4-BE49-F238E27FC236}">
-                <a16:creationId xmlns:a16="http://schemas.microsoft.com/office/drawing/2014/main" id="{E920FA45-4B5F-481E-93B8-9176F19C1B1F}"/>
-              </a:ext>
-            </a:extLst>
-          </p:cNvPr>
-          <p:cNvCxnSpPr>
-            <a:cxnSpLocks/>
-          </p:cNvCxnSpPr>
-          <p:nvPr/>
-        </p:nvCxnSpPr>
-        <p:spPr>
-          <a:xfrm>
-            <a:off x="5570586" y="3653764"/>
-            <a:ext cx="248859" cy="328596"/>
-          </a:xfrm>
-          <a:prstGeom prst="line">
-            <a:avLst/>
-          </a:prstGeom>
-          <a:ln w="38100">
-            <a:solidFill>
-              <a:srgbClr val="EE0000"/>
-            </a:solidFill>
-            <a:tailEnd type="triangle" w="med" len="lg"/>
-          </a:ln>
-        </p:spPr>
-        <p:style>
-          <a:lnRef idx="2">
-            <a:schemeClr val="accent1"/>
-          </a:lnRef>
-          <a:fillRef idx="0">
-            <a:schemeClr val="accent1"/>
-          </a:fillRef>
-          <a:effectRef idx="1">
-            <a:schemeClr val="accent1"/>
-          </a:effectRef>
-          <a:fontRef idx="minor">
-            <a:schemeClr val="tx1"/>
-          </a:fontRef>
-        </p:style>
-      </p:cxnSp>
-      <p:cxnSp>
-        <p:nvCxnSpPr>
-          <p:cNvPr id="84" name="Straight Connector 83">
-            <a:extLst>
-              <a:ext uri="{FF2B5EF4-FFF2-40B4-BE49-F238E27FC236}">
-                <a16:creationId xmlns:a16="http://schemas.microsoft.com/office/drawing/2014/main" id="{F3E5A00D-A3F7-CCD9-4B24-C43EADCFA2FC}"/>
-              </a:ext>
-            </a:extLst>
-          </p:cNvPr>
-          <p:cNvCxnSpPr>
-            <a:cxnSpLocks/>
-          </p:cNvCxnSpPr>
-          <p:nvPr/>
-        </p:nvCxnSpPr>
-        <p:spPr>
-          <a:xfrm rot="18436890">
-            <a:off x="9996046" y="3193382"/>
-            <a:ext cx="674998" cy="891274"/>
-          </a:xfrm>
-          <a:prstGeom prst="line">
-            <a:avLst/>
-          </a:prstGeom>
-          <a:ln w="6350">
-            <a:solidFill>
-              <a:srgbClr val="000000"/>
-            </a:solidFill>
-            <a:prstDash val="dash"/>
-          </a:ln>
-        </p:spPr>
-        <p:style>
-          <a:lnRef idx="2">
-            <a:schemeClr val="accent1"/>
-          </a:lnRef>
-          <a:fillRef idx="0">
-            <a:schemeClr val="accent1"/>
-          </a:fillRef>
-          <a:effectRef idx="1">
-            <a:schemeClr val="accent1"/>
-          </a:effectRef>
-          <a:fontRef idx="minor">
-            <a:schemeClr val="tx1"/>
-          </a:fontRef>
-        </p:style>
-      </p:cxnSp>
-      <p:cxnSp>
-        <p:nvCxnSpPr>
-          <p:cNvPr id="85" name="Straight Connector 84">
-            <a:extLst>
-              <a:ext uri="{FF2B5EF4-FFF2-40B4-BE49-F238E27FC236}">
-                <a16:creationId xmlns:a16="http://schemas.microsoft.com/office/drawing/2014/main" id="{125F8B79-D0E0-428E-9889-D1E37B1BB10A}"/>
-              </a:ext>
-            </a:extLst>
-          </p:cNvPr>
-          <p:cNvCxnSpPr>
-            <a:cxnSpLocks/>
-          </p:cNvCxnSpPr>
-          <p:nvPr/>
-        </p:nvCxnSpPr>
-        <p:spPr>
-          <a:xfrm rot="18436890" flipH="1" flipV="1">
-            <a:off x="10003543" y="3464887"/>
-            <a:ext cx="262558" cy="346684"/>
-          </a:xfrm>
-          <a:prstGeom prst="line">
-            <a:avLst/>
-          </a:prstGeom>
-          <a:ln w="38100">
-            <a:solidFill>
-              <a:srgbClr val="FFC000"/>
-            </a:solidFill>
-            <a:tailEnd type="triangle" w="med" len="lg"/>
-          </a:ln>
-        </p:spPr>
-        <p:style>
-          <a:lnRef idx="2">
-            <a:schemeClr val="accent1"/>
-          </a:lnRef>
-          <a:fillRef idx="0">
-            <a:schemeClr val="accent1"/>
-          </a:fillRef>
-          <a:effectRef idx="1">
-            <a:schemeClr val="accent1"/>
-          </a:effectRef>
-          <a:fontRef idx="minor">
-            <a:schemeClr val="tx1"/>
-          </a:fontRef>
-        </p:style>
-      </p:cxnSp>
-      <p:cxnSp>
-        <p:nvCxnSpPr>
-          <p:cNvPr id="86" name="Straight Connector 85">
-            <a:extLst>
-              <a:ext uri="{FF2B5EF4-FFF2-40B4-BE49-F238E27FC236}">
-                <a16:creationId xmlns:a16="http://schemas.microsoft.com/office/drawing/2014/main" id="{A81F13DE-EBFA-3C9B-F85A-5A8434FB514B}"/>
-              </a:ext>
-            </a:extLst>
-          </p:cNvPr>
-          <p:cNvCxnSpPr>
-            <a:cxnSpLocks/>
-          </p:cNvCxnSpPr>
-          <p:nvPr/>
-        </p:nvCxnSpPr>
-        <p:spPr>
-          <a:xfrm rot="18436890">
-            <a:off x="10439261" y="3467993"/>
-            <a:ext cx="248859" cy="328596"/>
-          </a:xfrm>
-          <a:prstGeom prst="line">
-            <a:avLst/>
-          </a:prstGeom>
-          <a:ln w="38100">
-            <a:solidFill>
-              <a:srgbClr val="EE0000"/>
-            </a:solidFill>
-            <a:tailEnd type="triangle" w="med" len="lg"/>
-          </a:ln>
-        </p:spPr>
-        <p:style>
-          <a:lnRef idx="2">
-            <a:schemeClr val="accent1"/>
-          </a:lnRef>
-          <a:fillRef idx="0">
-            <a:schemeClr val="accent1"/>
-          </a:fillRef>
-          <a:effectRef idx="1">
-            <a:schemeClr val="accent1"/>
-          </a:effectRef>
-          <a:fontRef idx="minor">
-            <a:schemeClr val="tx1"/>
-          </a:fontRef>
-        </p:style>
-      </p:cxnSp>
-      <p:sp>
-        <p:nvSpPr>
-          <p:cNvPr id="88" name="TextBox 87">
-            <a:extLst>
-              <a:ext uri="{FF2B5EF4-FFF2-40B4-BE49-F238E27FC236}">
-                <a16:creationId xmlns:a16="http://schemas.microsoft.com/office/drawing/2014/main" id="{9245700B-6C81-C219-DD6B-8E60192679BB}"/>
-              </a:ext>
-            </a:extLst>
-          </p:cNvPr>
-          <p:cNvSpPr txBox="1"/>
-          <p:nvPr/>
-        </p:nvSpPr>
-        <p:spPr>
-          <a:xfrm>
-            <a:off x="10527245" y="3140866"/>
-            <a:ext cx="607859" cy="461665"/>
-          </a:xfrm>
-          <a:prstGeom prst="rect">
-            <a:avLst/>
-          </a:prstGeom>
-          <a:noFill/>
-        </p:spPr>
-        <p:txBody>
-          <a:bodyPr wrap="none" rtlCol="0">
-            <a:spAutoFit/>
-          </a:bodyPr>
-          <a:lstStyle>
-            <a:defPPr>
-              <a:defRPr lang="ja-JP"/>
-            </a:defPPr>
-            <a:lvl1pPr>
-              <a:defRPr sz="2400"/>
-            </a:lvl1pPr>
-          </a:lstStyle>
-          <a:p>
-            <a:r>
-              <a:rPr lang="ja-JP" altLang="en-US" dirty="0"/>
-              <a:t>🍎</a:t>
-            </a:r>
-          </a:p>
-        </p:txBody>
-      </p:sp>
-      <p:sp>
-        <p:nvSpPr>
-          <p:cNvPr id="89" name="TextBox 88">
-            <a:extLst>
-              <a:ext uri="{FF2B5EF4-FFF2-40B4-BE49-F238E27FC236}">
-                <a16:creationId xmlns:a16="http://schemas.microsoft.com/office/drawing/2014/main" id="{5F7D2DB5-E253-FE3A-6154-5E5B6075B45F}"/>
-              </a:ext>
-            </a:extLst>
-          </p:cNvPr>
-          <p:cNvSpPr txBox="1"/>
-          <p:nvPr/>
-        </p:nvSpPr>
-        <p:spPr>
-          <a:xfrm>
-            <a:off x="9328625" y="3140866"/>
-            <a:ext cx="607859" cy="461665"/>
-          </a:xfrm>
-          <a:prstGeom prst="rect">
-            <a:avLst/>
-          </a:prstGeom>
-          <a:noFill/>
-        </p:spPr>
-        <p:txBody>
-          <a:bodyPr wrap="none" rtlCol="0">
-            <a:spAutoFit/>
-          </a:bodyPr>
-          <a:lstStyle>
-            <a:defPPr>
-              <a:defRPr lang="ja-JP"/>
-            </a:defPPr>
-            <a:lvl1pPr>
-              <a:defRPr sz="2400"/>
-            </a:lvl1pPr>
-          </a:lstStyle>
-          <a:p>
-            <a:r>
-              <a:rPr lang="ja-JP" altLang="en-US" dirty="0"/>
-              <a:t>🍊</a:t>
-            </a:r>
-          </a:p>
-        </p:txBody>
-      </p:sp>
-      <p:sp>
-        <p:nvSpPr>
-          <p:cNvPr id="90" name="TextBox 89">
-            <a:extLst>
-              <a:ext uri="{FF2B5EF4-FFF2-40B4-BE49-F238E27FC236}">
-                <a16:creationId xmlns:a16="http://schemas.microsoft.com/office/drawing/2014/main" id="{F0C97E9C-5F7E-6C0B-64C6-1342DBBB2725}"/>
-              </a:ext>
-            </a:extLst>
-          </p:cNvPr>
-          <p:cNvSpPr txBox="1"/>
-          <p:nvPr/>
-        </p:nvSpPr>
-        <p:spPr>
-          <a:xfrm>
-            <a:off x="3081323" y="2414994"/>
-            <a:ext cx="607859" cy="461665"/>
-          </a:xfrm>
-          <a:prstGeom prst="rect">
-            <a:avLst/>
-          </a:prstGeom>
-          <a:noFill/>
-        </p:spPr>
-        <p:txBody>
-          <a:bodyPr wrap="none" rtlCol="0">
-            <a:spAutoFit/>
-          </a:bodyPr>
-          <a:lstStyle>
-            <a:defPPr>
-              <a:defRPr lang="ja-JP"/>
-            </a:defPPr>
-            <a:lvl1pPr>
-              <a:defRPr sz="2400"/>
-            </a:lvl1pPr>
-          </a:lstStyle>
-          <a:p>
-            <a:r>
-              <a:rPr lang="ja-JP" altLang="en-US" dirty="0"/>
-              <a:t>🍎</a:t>
-            </a:r>
-          </a:p>
-        </p:txBody>
-      </p:sp>
-      <p:sp>
-        <p:nvSpPr>
-          <p:cNvPr id="91" name="Arrow: Right 90">
-            <a:extLst>
-              <a:ext uri="{FF2B5EF4-FFF2-40B4-BE49-F238E27FC236}">
-                <a16:creationId xmlns:a16="http://schemas.microsoft.com/office/drawing/2014/main" id="{5432A4FC-A565-479D-4628-2D3F6E33DEEB}"/>
-              </a:ext>
-            </a:extLst>
-          </p:cNvPr>
-          <p:cNvSpPr/>
-          <p:nvPr/>
-        </p:nvSpPr>
-        <p:spPr>
-          <a:xfrm>
-            <a:off x="4285835" y="2670130"/>
-            <a:ext cx="369711" cy="362036"/>
-          </a:xfrm>
-          <a:prstGeom prst="rightArrow">
-            <a:avLst/>
-          </a:prstGeom>
-          <a:solidFill>
-            <a:srgbClr val="B2B2B2"/>
-          </a:solidFill>
-          <a:ln>
-            <a:noFill/>
-          </a:ln>
-        </p:spPr>
-        <p:style>
-          <a:lnRef idx="2">
-            <a:schemeClr val="accent1">
-              <a:shade val="15000"/>
-            </a:schemeClr>
-          </a:lnRef>
-          <a:fillRef idx="1">
-            <a:schemeClr val="accent1"/>
-          </a:fillRef>
-          <a:effectRef idx="0">
-            <a:schemeClr val="accent1"/>
-          </a:effectRef>
-          <a:fontRef idx="minor">
-            <a:schemeClr val="lt1"/>
-          </a:fontRef>
-        </p:style>
-        <p:txBody>
-          <a:bodyPr rtlCol="0" anchor="ctr"/>
-          <a:lstStyle/>
-          <a:p>
-            <a:pPr algn="ctr"/>
-            <a:endParaRPr lang="ja-JP" altLang="en-US">
-              <a:solidFill>
-                <a:schemeClr val="tx1"/>
-              </a:solidFill>
-            </a:endParaRPr>
-          </a:p>
-        </p:txBody>
-      </p:sp>
-      <p:sp>
-        <p:nvSpPr>
-          <p:cNvPr id="92" name="Arrow: Curved Down 91">
-            <a:extLst>
-              <a:ext uri="{FF2B5EF4-FFF2-40B4-BE49-F238E27FC236}">
-                <a16:creationId xmlns:a16="http://schemas.microsoft.com/office/drawing/2014/main" id="{3A880D99-62C8-1729-92C8-4B41ADD2A45E}"/>
-              </a:ext>
-            </a:extLst>
-          </p:cNvPr>
-          <p:cNvSpPr/>
-          <p:nvPr/>
-        </p:nvSpPr>
-        <p:spPr>
-          <a:xfrm>
-            <a:off x="8222428" y="2670130"/>
-            <a:ext cx="743481" cy="461666"/>
-          </a:xfrm>
-          <a:prstGeom prst="curvedDownArrow">
-            <a:avLst/>
-          </a:prstGeom>
-          <a:solidFill>
-            <a:srgbClr val="B2B2B2"/>
-          </a:solidFill>
-          <a:ln>
-            <a:noFill/>
-          </a:ln>
-        </p:spPr>
-        <p:style>
-          <a:lnRef idx="2">
-            <a:schemeClr val="accent1">
-              <a:shade val="15000"/>
-            </a:schemeClr>
-          </a:lnRef>
-          <a:fillRef idx="1">
-            <a:schemeClr val="accent1"/>
-          </a:fillRef>
-          <a:effectRef idx="0">
-            <a:schemeClr val="accent1"/>
-          </a:effectRef>
-          <a:fontRef idx="minor">
-            <a:schemeClr val="lt1"/>
-          </a:fontRef>
-        </p:style>
-        <p:txBody>
-          <a:bodyPr rtlCol="0" anchor="ctr"/>
-          <a:lstStyle/>
-          <a:p>
-            <a:pPr algn="ctr"/>
-            <a:endParaRPr kumimoji="1" lang="ja-JP" altLang="en-US">
-              <a:solidFill>
-                <a:schemeClr val="tx1"/>
-              </a:solidFill>
-            </a:endParaRPr>
-          </a:p>
-        </p:txBody>
-      </p:sp>
-    </p:spTree>
-    <p:extLst>
-      <p:ext uri="{BB962C8B-B14F-4D97-AF65-F5344CB8AC3E}">
-        <p14:creationId xmlns:p14="http://schemas.microsoft.com/office/powerpoint/2010/main" val="3720064385"/>
       </p:ext>
     </p:extLst>
   </p:cSld>
